--- a/lectures/Лекция №0_ОсновыGit.pptx
+++ b/lectures/Лекция №0_ОсновыGit.pptx
@@ -135,6 +135,9 @@
           </p15:clr>
         </p15:guide>
       </p15:sldGuideLst>
+    </p:ext>
+    <p:ext uri="{2D200454-40CA-4A62-9FC3-DE9A4176ACB9}">
+      <p15:notesGuideLst xmlns:p15="http://schemas.microsoft.com/office/powerpoint/2012/main"/>
     </p:ext>
   </p:extLst>
 </p:presentation>
@@ -4395,7 +4398,7 @@
         </p:nvSpPr>
         <p:spPr>
           <a:xfrm>
-            <a:off x="457200" y="2195516"/>
+            <a:off x="457200" y="1761883"/>
             <a:ext cx="8229600" cy="4525963"/>
           </a:xfrm>
         </p:spPr>
@@ -4405,6 +4408,41 @@
           </a:bodyPr>
           <a:lstStyle/>
           <a:p>
+            <a:pPr marL="514350" indent="-514350">
+              <a:buAutoNum type="arabicParenR"/>
+            </a:pPr>
+            <a:r>
+              <a:rPr lang="ru-RU" sz="2800" dirty="0">
+                <a:latin typeface="Times New Roman" panose="02020603050405020304" pitchFamily="18" charset="0"/>
+                <a:cs typeface="Times New Roman" panose="02020603050405020304" pitchFamily="18" charset="0"/>
+              </a:rPr>
+              <a:t>проверить установку </a:t>
+            </a:r>
+            <a:r>
+              <a:rPr lang="ru-RU" sz="2800" dirty="0" err="1">
+                <a:latin typeface="Times New Roman" panose="02020603050405020304" pitchFamily="18" charset="0"/>
+                <a:cs typeface="Times New Roman" panose="02020603050405020304" pitchFamily="18" charset="0"/>
+              </a:rPr>
+              <a:t>Git</a:t>
+            </a:r>
+            <a:r>
+              <a:rPr lang="ru-RU" sz="2800" dirty="0">
+                <a:latin typeface="Times New Roman" panose="02020603050405020304" pitchFamily="18" charset="0"/>
+                <a:cs typeface="Times New Roman" panose="02020603050405020304" pitchFamily="18" charset="0"/>
+              </a:rPr>
+              <a:t> и доступ к GitHub</a:t>
+            </a:r>
+          </a:p>
+          <a:p>
+            <a:pPr marL="514350" indent="-514350">
+              <a:buAutoNum type="arabicParenR"/>
+            </a:pPr>
+            <a:endParaRPr lang="ru-RU" sz="2800" dirty="0">
+              <a:latin typeface="Times New Roman" panose="02020603050405020304" pitchFamily="18" charset="0"/>
+              <a:cs typeface="Times New Roman" panose="02020603050405020304" pitchFamily="18" charset="0"/>
+            </a:endParaRPr>
+          </a:p>
+          <a:p>
             <a:pPr marL="0" indent="0">
               <a:buNone/>
             </a:pPr>
@@ -4413,216 +4451,103 @@
                 <a:latin typeface="Times New Roman" panose="02020603050405020304" pitchFamily="18" charset="0"/>
                 <a:cs typeface="Times New Roman" panose="02020603050405020304" pitchFamily="18" charset="0"/>
               </a:rPr>
-              <a:t>1. </a:t>
-            </a:r>
-            <a:r>
-              <a:rPr sz="2800" dirty="0" err="1">
-                <a:latin typeface="Times New Roman" panose="02020603050405020304" pitchFamily="18" charset="0"/>
-                <a:cs typeface="Times New Roman" panose="02020603050405020304" pitchFamily="18" charset="0"/>
-              </a:rPr>
-              <a:t>Создать</a:t>
-            </a:r>
-            <a:r>
-              <a:rPr sz="2800" dirty="0">
-                <a:latin typeface="Times New Roman" panose="02020603050405020304" pitchFamily="18" charset="0"/>
-                <a:cs typeface="Times New Roman" panose="02020603050405020304" pitchFamily="18" charset="0"/>
-              </a:rPr>
-              <a:t> </a:t>
-            </a:r>
-            <a:r>
-              <a:rPr sz="2800" dirty="0" err="1">
-                <a:latin typeface="Times New Roman" panose="02020603050405020304" pitchFamily="18" charset="0"/>
-                <a:cs typeface="Times New Roman" panose="02020603050405020304" pitchFamily="18" charset="0"/>
-              </a:rPr>
-              <a:t>файл</a:t>
-            </a:r>
-            <a:r>
-              <a:rPr sz="2800" dirty="0">
-                <a:latin typeface="Times New Roman" panose="02020603050405020304" pitchFamily="18" charset="0"/>
-                <a:cs typeface="Times New Roman" panose="02020603050405020304" pitchFamily="18" charset="0"/>
-              </a:rPr>
-              <a:t> README.md</a:t>
+              <a:t>2) закрепить базовый цикл работы (</a:t>
+            </a:r>
+            <a:r>
+              <a:rPr lang="ru-RU" sz="2800" dirty="0" err="1">
+                <a:latin typeface="Times New Roman" panose="02020603050405020304" pitchFamily="18" charset="0"/>
+                <a:cs typeface="Times New Roman" panose="02020603050405020304" pitchFamily="18" charset="0"/>
+              </a:rPr>
+              <a:t>clone</a:t>
+            </a:r>
+            <a:r>
+              <a:rPr lang="ru-RU" sz="2800" dirty="0">
+                <a:latin typeface="Times New Roman" panose="02020603050405020304" pitchFamily="18" charset="0"/>
+                <a:cs typeface="Times New Roman" panose="02020603050405020304" pitchFamily="18" charset="0"/>
+              </a:rPr>
+              <a:t> → </a:t>
+            </a:r>
+            <a:r>
+              <a:rPr lang="ru-RU" sz="2800" dirty="0" err="1">
+                <a:latin typeface="Times New Roman" panose="02020603050405020304" pitchFamily="18" charset="0"/>
+                <a:cs typeface="Times New Roman" panose="02020603050405020304" pitchFamily="18" charset="0"/>
+              </a:rPr>
+              <a:t>edit</a:t>
+            </a:r>
+            <a:r>
+              <a:rPr lang="ru-RU" sz="2800" dirty="0">
+                <a:latin typeface="Times New Roman" panose="02020603050405020304" pitchFamily="18" charset="0"/>
+                <a:cs typeface="Times New Roman" panose="02020603050405020304" pitchFamily="18" charset="0"/>
+              </a:rPr>
+              <a:t> → </a:t>
+            </a:r>
+            <a:r>
+              <a:rPr lang="ru-RU" sz="2800" dirty="0" err="1">
+                <a:latin typeface="Times New Roman" panose="02020603050405020304" pitchFamily="18" charset="0"/>
+                <a:cs typeface="Times New Roman" panose="02020603050405020304" pitchFamily="18" charset="0"/>
+              </a:rPr>
+              <a:t>add</a:t>
+            </a:r>
+            <a:r>
+              <a:rPr lang="ru-RU" sz="2800" dirty="0">
+                <a:latin typeface="Times New Roman" panose="02020603050405020304" pitchFamily="18" charset="0"/>
+                <a:cs typeface="Times New Roman" panose="02020603050405020304" pitchFamily="18" charset="0"/>
+              </a:rPr>
+              <a:t> → </a:t>
+            </a:r>
+            <a:r>
+              <a:rPr lang="ru-RU" sz="2800" dirty="0" err="1">
+                <a:latin typeface="Times New Roman" panose="02020603050405020304" pitchFamily="18" charset="0"/>
+                <a:cs typeface="Times New Roman" panose="02020603050405020304" pitchFamily="18" charset="0"/>
+              </a:rPr>
+              <a:t>commit</a:t>
+            </a:r>
+            <a:r>
+              <a:rPr lang="ru-RU" sz="2800" dirty="0">
+                <a:latin typeface="Times New Roman" panose="02020603050405020304" pitchFamily="18" charset="0"/>
+                <a:cs typeface="Times New Roman" panose="02020603050405020304" pitchFamily="18" charset="0"/>
+              </a:rPr>
+              <a:t> → </a:t>
+            </a:r>
+            <a:r>
+              <a:rPr lang="ru-RU" sz="2800" dirty="0" err="1">
+                <a:latin typeface="Times New Roman" panose="02020603050405020304" pitchFamily="18" charset="0"/>
+                <a:cs typeface="Times New Roman" panose="02020603050405020304" pitchFamily="18" charset="0"/>
+              </a:rPr>
+              <a:t>push</a:t>
+            </a:r>
+            <a:r>
+              <a:rPr lang="ru-RU" sz="2800" dirty="0">
+                <a:latin typeface="Times New Roman" panose="02020603050405020304" pitchFamily="18" charset="0"/>
+                <a:cs typeface="Times New Roman" panose="02020603050405020304" pitchFamily="18" charset="0"/>
+              </a:rPr>
+              <a:t>)</a:t>
             </a:r>
           </a:p>
           <a:p>
             <a:pPr marL="0" indent="0">
               <a:buNone/>
             </a:pPr>
+            <a:endParaRPr lang="ru-RU" sz="2800" dirty="0">
+              <a:latin typeface="Times New Roman" panose="02020603050405020304" pitchFamily="18" charset="0"/>
+              <a:cs typeface="Times New Roman" panose="02020603050405020304" pitchFamily="18" charset="0"/>
+            </a:endParaRPr>
+          </a:p>
+          <a:p>
+            <a:pPr marL="0" indent="0">
+              <a:buNone/>
+            </a:pPr>
             <a:r>
               <a:rPr lang="ru-RU" sz="2800" dirty="0">
                 <a:latin typeface="Times New Roman" panose="02020603050405020304" pitchFamily="18" charset="0"/>
                 <a:cs typeface="Times New Roman" panose="02020603050405020304" pitchFamily="18" charset="0"/>
               </a:rPr>
-              <a:t>2.</a:t>
-            </a:r>
-            <a:r>
-              <a:rPr sz="2800" dirty="0">
-                <a:latin typeface="Times New Roman" panose="02020603050405020304" pitchFamily="18" charset="0"/>
-                <a:cs typeface="Times New Roman" panose="02020603050405020304" pitchFamily="18" charset="0"/>
-              </a:rPr>
-              <a:t> </a:t>
-            </a:r>
-            <a:r>
-              <a:rPr sz="2800" dirty="0" err="1">
-                <a:latin typeface="Times New Roman" panose="02020603050405020304" pitchFamily="18" charset="0"/>
-                <a:cs typeface="Times New Roman" panose="02020603050405020304" pitchFamily="18" charset="0"/>
-              </a:rPr>
-              <a:t>Написать</a:t>
-            </a:r>
-            <a:r>
-              <a:rPr sz="2800" dirty="0">
-                <a:latin typeface="Times New Roman" panose="02020603050405020304" pitchFamily="18" charset="0"/>
-                <a:cs typeface="Times New Roman" panose="02020603050405020304" pitchFamily="18" charset="0"/>
-              </a:rPr>
-              <a:t>: </a:t>
-            </a:r>
-            <a:r>
-              <a:rPr sz="2800" dirty="0" err="1">
-                <a:latin typeface="Times New Roman" panose="02020603050405020304" pitchFamily="18" charset="0"/>
-                <a:cs typeface="Times New Roman" panose="02020603050405020304" pitchFamily="18" charset="0"/>
-              </a:rPr>
-              <a:t>Фамилия</a:t>
-            </a:r>
-            <a:r>
-              <a:rPr sz="2800" dirty="0">
-                <a:latin typeface="Times New Roman" panose="02020603050405020304" pitchFamily="18" charset="0"/>
-                <a:cs typeface="Times New Roman" panose="02020603050405020304" pitchFamily="18" charset="0"/>
-              </a:rPr>
-              <a:t> </a:t>
-            </a:r>
-            <a:r>
-              <a:rPr sz="2800" dirty="0" err="1">
-                <a:latin typeface="Times New Roman" panose="02020603050405020304" pitchFamily="18" charset="0"/>
-                <a:cs typeface="Times New Roman" panose="02020603050405020304" pitchFamily="18" charset="0"/>
-              </a:rPr>
-              <a:t>Имя</a:t>
-            </a:r>
-            <a:r>
-              <a:rPr sz="2800" dirty="0">
-                <a:latin typeface="Times New Roman" panose="02020603050405020304" pitchFamily="18" charset="0"/>
-                <a:cs typeface="Times New Roman" panose="02020603050405020304" pitchFamily="18" charset="0"/>
-              </a:rPr>
-              <a:t>, </a:t>
-            </a:r>
-            <a:r>
-              <a:rPr sz="2800" dirty="0" err="1">
-                <a:latin typeface="Times New Roman" panose="02020603050405020304" pitchFamily="18" charset="0"/>
-                <a:cs typeface="Times New Roman" panose="02020603050405020304" pitchFamily="18" charset="0"/>
-              </a:rPr>
-              <a:t>Группа</a:t>
+              <a:t>3) научиться делать несколько коммитов и структурировать репозиторий.</a:t>
             </a:r>
             <a:endParaRPr sz="2800" dirty="0">
               <a:latin typeface="Times New Roman" panose="02020603050405020304" pitchFamily="18" charset="0"/>
               <a:cs typeface="Times New Roman" panose="02020603050405020304" pitchFamily="18" charset="0"/>
             </a:endParaRPr>
-          </a:p>
-          <a:p>
-            <a:pPr marL="0" indent="0">
-              <a:buNone/>
-            </a:pPr>
-            <a:r>
-              <a:rPr lang="ru-RU" sz="2800" dirty="0">
-                <a:latin typeface="Times New Roman" panose="02020603050405020304" pitchFamily="18" charset="0"/>
-                <a:cs typeface="Times New Roman" panose="02020603050405020304" pitchFamily="18" charset="0"/>
-              </a:rPr>
-              <a:t>3.</a:t>
-            </a:r>
-            <a:r>
-              <a:rPr sz="2800" dirty="0">
-                <a:latin typeface="Times New Roman" panose="02020603050405020304" pitchFamily="18" charset="0"/>
-                <a:cs typeface="Times New Roman" panose="02020603050405020304" pitchFamily="18" charset="0"/>
-              </a:rPr>
-              <a:t> </a:t>
-            </a:r>
-            <a:r>
-              <a:rPr sz="2800" dirty="0" err="1">
-                <a:latin typeface="Times New Roman" panose="02020603050405020304" pitchFamily="18" charset="0"/>
-                <a:cs typeface="Times New Roman" panose="02020603050405020304" pitchFamily="18" charset="0"/>
-              </a:rPr>
-              <a:t>Сделать</a:t>
-            </a:r>
-            <a:r>
-              <a:rPr sz="2800" dirty="0">
-                <a:latin typeface="Times New Roman" panose="02020603050405020304" pitchFamily="18" charset="0"/>
-                <a:cs typeface="Times New Roman" panose="02020603050405020304" pitchFamily="18" charset="0"/>
-              </a:rPr>
-              <a:t> commit и push</a:t>
-            </a:r>
-          </a:p>
-          <a:p>
-            <a:pPr marL="0" indent="0">
-              <a:buNone/>
-            </a:pPr>
-            <a:r>
-              <a:rPr lang="ru-RU" sz="2800" dirty="0">
-                <a:latin typeface="Times New Roman" panose="02020603050405020304" pitchFamily="18" charset="0"/>
-                <a:cs typeface="Times New Roman" panose="02020603050405020304" pitchFamily="18" charset="0"/>
-              </a:rPr>
-              <a:t>4.</a:t>
-            </a:r>
-            <a:r>
-              <a:rPr sz="2800" dirty="0">
-                <a:latin typeface="Times New Roman" panose="02020603050405020304" pitchFamily="18" charset="0"/>
-                <a:cs typeface="Times New Roman" panose="02020603050405020304" pitchFamily="18" charset="0"/>
-              </a:rPr>
-              <a:t> </a:t>
-            </a:r>
-            <a:r>
-              <a:rPr sz="2800" dirty="0" err="1">
-                <a:latin typeface="Times New Roman" panose="02020603050405020304" pitchFamily="18" charset="0"/>
-                <a:cs typeface="Times New Roman" panose="02020603050405020304" pitchFamily="18" charset="0"/>
-              </a:rPr>
-              <a:t>Цель</a:t>
-            </a:r>
-            <a:r>
-              <a:rPr sz="2800" dirty="0">
-                <a:latin typeface="Times New Roman" panose="02020603050405020304" pitchFamily="18" charset="0"/>
-                <a:cs typeface="Times New Roman" panose="02020603050405020304" pitchFamily="18" charset="0"/>
-              </a:rPr>
-              <a:t>: </a:t>
-            </a:r>
-            <a:r>
-              <a:rPr sz="2800" dirty="0" err="1">
-                <a:latin typeface="Times New Roman" panose="02020603050405020304" pitchFamily="18" charset="0"/>
-                <a:cs typeface="Times New Roman" panose="02020603050405020304" pitchFamily="18" charset="0"/>
-              </a:rPr>
-              <a:t>проверить</a:t>
-            </a:r>
-            <a:r>
-              <a:rPr sz="2800" dirty="0">
-                <a:latin typeface="Times New Roman" panose="02020603050405020304" pitchFamily="18" charset="0"/>
-                <a:cs typeface="Times New Roman" panose="02020603050405020304" pitchFamily="18" charset="0"/>
-              </a:rPr>
-              <a:t> </a:t>
-            </a:r>
-            <a:r>
-              <a:rPr sz="2800" dirty="0" err="1">
-                <a:latin typeface="Times New Roman" panose="02020603050405020304" pitchFamily="18" charset="0"/>
-                <a:cs typeface="Times New Roman" panose="02020603050405020304" pitchFamily="18" charset="0"/>
-              </a:rPr>
-              <a:t>установку</a:t>
-            </a:r>
-            <a:r>
-              <a:rPr sz="2800" dirty="0">
-                <a:latin typeface="Times New Roman" panose="02020603050405020304" pitchFamily="18" charset="0"/>
-                <a:cs typeface="Times New Roman" panose="02020603050405020304" pitchFamily="18" charset="0"/>
-              </a:rPr>
-              <a:t> Git и </a:t>
-            </a:r>
-            <a:r>
-              <a:rPr sz="2800" dirty="0" err="1">
-                <a:latin typeface="Times New Roman" panose="02020603050405020304" pitchFamily="18" charset="0"/>
-                <a:cs typeface="Times New Roman" panose="02020603050405020304" pitchFamily="18" charset="0"/>
-              </a:rPr>
-              <a:t>доступ</a:t>
-            </a:r>
-            <a:r>
-              <a:rPr sz="2800" dirty="0">
-                <a:latin typeface="Times New Roman" panose="02020603050405020304" pitchFamily="18" charset="0"/>
-                <a:cs typeface="Times New Roman" panose="02020603050405020304" pitchFamily="18" charset="0"/>
-              </a:rPr>
-              <a:t> к GitHub</a:t>
-            </a:r>
           </a:p>
         </p:txBody>
       </p:sp>

--- a/lectures/Лекция №0_ОсновыGit.pptx
+++ b/lectures/Лекция №0_ОсновыGit.pptx
@@ -123,7 +123,7 @@
   </p:defaultTextStyle>
   <p:extLst>
     <p:ext uri="{EFAFB233-063F-42B5-8137-9DF3F51BA10A}">
-      <p15:sldGuideLst xmlns:p15="http://schemas.microsoft.com/office/powerpoint/2012/main">
+      <p15:sldGuideLst xmlns:p15="http://schemas.microsoft.com/office/powerpoint/2012/main" xmlns="">
         <p15:guide id="1" orient="horz" pos="2160" userDrawn="1">
           <p15:clr>
             <a:srgbClr val="A4A3A4"/>
@@ -137,7 +137,7 @@
       </p15:sldGuideLst>
     </p:ext>
     <p:ext uri="{2D200454-40CA-4A62-9FC3-DE9A4176ACB9}">
-      <p15:notesGuideLst xmlns:p15="http://schemas.microsoft.com/office/powerpoint/2012/main"/>
+      <p15:notesGuideLst xmlns:p15="http://schemas.microsoft.com/office/powerpoint/2012/main" xmlns=""/>
     </p:ext>
   </p:extLst>
 </p:presentation>
@@ -170,7 +170,7 @@
           <p:cNvPr id="2" name="Верхний колонтитул 1">
             <a:extLst>
               <a:ext uri="{FF2B5EF4-FFF2-40B4-BE49-F238E27FC236}">
-                <a16:creationId xmlns:a16="http://schemas.microsoft.com/office/drawing/2014/main" id="{E5900440-D3CB-48E5-A052-3C4A4747E7E6}"/>
+                <a16:creationId xmlns:a16="http://schemas.microsoft.com/office/drawing/2014/main" xmlns="" id="{E5900440-D3CB-48E5-A052-3C4A4747E7E6}"/>
               </a:ext>
             </a:extLst>
           </p:cNvPr>
@@ -207,7 +207,7 @@
           <p:cNvPr id="3" name="Дата 2">
             <a:extLst>
               <a:ext uri="{FF2B5EF4-FFF2-40B4-BE49-F238E27FC236}">
-                <a16:creationId xmlns:a16="http://schemas.microsoft.com/office/drawing/2014/main" id="{92AC6D95-528E-49B2-A3E5-18B794DC8FDF}"/>
+                <a16:creationId xmlns:a16="http://schemas.microsoft.com/office/drawing/2014/main" xmlns="" id="{92AC6D95-528E-49B2-A3E5-18B794DC8FDF}"/>
               </a:ext>
             </a:extLst>
           </p:cNvPr>
@@ -237,7 +237,7 @@
           <a:p>
             <a:fld id="{5478DF29-452A-4A83-91E9-CF5A4DE259F4}" type="datetimeFigureOut">
               <a:rPr lang="ru-RU" smtClean="0"/>
-              <a:t>31.08.2025</a:t>
+              <a:t>01.09.2025</a:t>
             </a:fld>
             <a:endParaRPr lang="ru-RU"/>
           </a:p>
@@ -248,7 +248,7 @@
           <p:cNvPr id="4" name="Нижний колонтитул 3">
             <a:extLst>
               <a:ext uri="{FF2B5EF4-FFF2-40B4-BE49-F238E27FC236}">
-                <a16:creationId xmlns:a16="http://schemas.microsoft.com/office/drawing/2014/main" id="{E5FE36F5-F5F4-4B17-A42E-507A4A48AFDA}"/>
+                <a16:creationId xmlns:a16="http://schemas.microsoft.com/office/drawing/2014/main" xmlns="" id="{E5FE36F5-F5F4-4B17-A42E-507A4A48AFDA}"/>
               </a:ext>
             </a:extLst>
           </p:cNvPr>
@@ -285,7 +285,7 @@
           <p:cNvPr id="5" name="Номер слайда 4">
             <a:extLst>
               <a:ext uri="{FF2B5EF4-FFF2-40B4-BE49-F238E27FC236}">
-                <a16:creationId xmlns:a16="http://schemas.microsoft.com/office/drawing/2014/main" id="{2940DB32-2375-4199-ACEC-A873EA922A07}"/>
+                <a16:creationId xmlns:a16="http://schemas.microsoft.com/office/drawing/2014/main" xmlns="" id="{2940DB32-2375-4199-ACEC-A873EA922A07}"/>
               </a:ext>
             </a:extLst>
           </p:cNvPr>
@@ -414,7 +414,7 @@
           <a:p>
             <a:fld id="{DF1C5888-F6D7-40B5-8B7F-FD293149ED4A}" type="datetimeFigureOut">
               <a:rPr lang="ru-RU" smtClean="0"/>
-              <a:t>31.08.2025</a:t>
+              <a:t>01.09.2025</a:t>
             </a:fld>
             <a:endParaRPr lang="ru-RU"/>
           </a:p>
@@ -860,7 +860,7 @@
           <a:p>
             <a:fld id="{3F2DF288-DA8A-4571-9FE7-91D9B02A3E41}" type="datetime1">
               <a:rPr lang="en-US" smtClean="0"/>
-              <a:t>8/31/2025</a:t>
+              <a:t>9/1/2025</a:t>
             </a:fld>
             <a:endParaRPr lang="en-US"/>
           </a:p>
@@ -1028,7 +1028,7 @@
           <a:p>
             <a:fld id="{2689C7F0-5690-4889-8DF1-FA12547F9E80}" type="datetime1">
               <a:rPr lang="en-US" smtClean="0"/>
-              <a:t>8/31/2025</a:t>
+              <a:t>9/1/2025</a:t>
             </a:fld>
             <a:endParaRPr lang="en-US"/>
           </a:p>
@@ -1206,7 +1206,7 @@
           <a:p>
             <a:fld id="{02815693-DDA9-4AF9-A4C2-62CD2B106A61}" type="datetime1">
               <a:rPr lang="en-US" smtClean="0"/>
-              <a:t>8/31/2025</a:t>
+              <a:t>9/1/2025</a:t>
             </a:fld>
             <a:endParaRPr lang="en-US"/>
           </a:p>
@@ -1374,7 +1374,7 @@
           <a:p>
             <a:fld id="{AE6BA04B-DBF8-4B66-BC4C-1DFA91660ECA}" type="datetime1">
               <a:rPr lang="en-US" smtClean="0"/>
-              <a:t>8/31/2025</a:t>
+              <a:t>9/1/2025</a:t>
             </a:fld>
             <a:endParaRPr lang="en-US"/>
           </a:p>
@@ -1619,7 +1619,7 @@
           <a:p>
             <a:fld id="{92C695E9-0256-45CA-8F60-8DBBB619B93C}" type="datetime1">
               <a:rPr lang="en-US" smtClean="0"/>
-              <a:t>8/31/2025</a:t>
+              <a:t>9/1/2025</a:t>
             </a:fld>
             <a:endParaRPr lang="en-US"/>
           </a:p>
@@ -1904,7 +1904,7 @@
           <a:p>
             <a:fld id="{563934A3-80C6-419E-B80C-C21E5A09F83D}" type="datetime1">
               <a:rPr lang="en-US" smtClean="0"/>
-              <a:t>8/31/2025</a:t>
+              <a:t>9/1/2025</a:t>
             </a:fld>
             <a:endParaRPr lang="en-US"/>
           </a:p>
@@ -2323,7 +2323,7 @@
           <a:p>
             <a:fld id="{9AB9BFCF-0A3F-474F-AFD0-2443B46E406D}" type="datetime1">
               <a:rPr lang="en-US" smtClean="0"/>
-              <a:t>8/31/2025</a:t>
+              <a:t>9/1/2025</a:t>
             </a:fld>
             <a:endParaRPr lang="en-US"/>
           </a:p>
@@ -2440,7 +2440,7 @@
           <a:p>
             <a:fld id="{81C51DA5-9BB9-4175-BAF8-73BB4163F257}" type="datetime1">
               <a:rPr lang="en-US" smtClean="0"/>
-              <a:t>8/31/2025</a:t>
+              <a:t>9/1/2025</a:t>
             </a:fld>
             <a:endParaRPr lang="en-US"/>
           </a:p>
@@ -2535,7 +2535,7 @@
           <a:p>
             <a:fld id="{8BAF2BF3-B4BB-455D-9597-98550E822915}" type="datetime1">
               <a:rPr lang="en-US" smtClean="0"/>
-              <a:t>8/31/2025</a:t>
+              <a:t>9/1/2025</a:t>
             </a:fld>
             <a:endParaRPr lang="en-US"/>
           </a:p>
@@ -2810,7 +2810,7 @@
           <a:p>
             <a:fld id="{C91E461A-8A39-4D77-A583-0EDCAECE8BD8}" type="datetime1">
               <a:rPr lang="en-US" smtClean="0"/>
-              <a:t>8/31/2025</a:t>
+              <a:t>9/1/2025</a:t>
             </a:fld>
             <a:endParaRPr lang="en-US"/>
           </a:p>
@@ -3062,7 +3062,7 @@
           <a:p>
             <a:fld id="{D0780154-F561-4BF3-8244-43CD345B7627}" type="datetime1">
               <a:rPr lang="en-US" smtClean="0"/>
-              <a:t>8/31/2025</a:t>
+              <a:t>9/1/2025</a:t>
             </a:fld>
             <a:endParaRPr lang="en-US"/>
           </a:p>
@@ -3273,7 +3273,7 @@
           <a:p>
             <a:fld id="{18F5CBAA-2FD1-4F57-A547-46F38B422BE4}" type="datetime1">
               <a:rPr lang="en-US" smtClean="0"/>
-              <a:t>8/31/2025</a:t>
+              <a:t>9/1/2025</a:t>
             </a:fld>
             <a:endParaRPr lang="en-US"/>
           </a:p>
@@ -3661,32 +3661,20 @@
         </p:nvSpPr>
         <p:spPr/>
         <p:txBody>
-          <a:bodyPr/>
+          <a:bodyPr>
+            <a:normAutofit fontScale="90000"/>
+          </a:bodyPr>
           <a:lstStyle/>
           <a:p>
             <a:r>
-              <a:rPr dirty="0" err="1">
-                <a:latin typeface="Times New Roman" panose="02020603050405020304" pitchFamily="18" charset="0"/>
-                <a:cs typeface="Times New Roman" panose="02020603050405020304" pitchFamily="18" charset="0"/>
-              </a:rPr>
-              <a:t>Инженерно-техническая</a:t>
-            </a:r>
-            <a:r>
-              <a:rPr dirty="0">
-                <a:latin typeface="Times New Roman" panose="02020603050405020304" pitchFamily="18" charset="0"/>
-                <a:cs typeface="Times New Roman" panose="02020603050405020304" pitchFamily="18" charset="0"/>
-              </a:rPr>
-              <a:t> </a:t>
-            </a:r>
-            <a:r>
-              <a:rPr dirty="0" err="1">
-                <a:latin typeface="Times New Roman" panose="02020603050405020304" pitchFamily="18" charset="0"/>
-                <a:cs typeface="Times New Roman" panose="02020603050405020304" pitchFamily="18" charset="0"/>
-              </a:rPr>
-              <a:t>поддержка</a:t>
-            </a:r>
-            <a:r>
-              <a:rPr dirty="0">
+              <a:rPr dirty="0" err="1" smtClean="0">
+                <a:latin typeface="Times New Roman" panose="02020603050405020304" pitchFamily="18" charset="0"/>
+                <a:cs typeface="Times New Roman" panose="02020603050405020304" pitchFamily="18" charset="0"/>
+              </a:rPr>
+              <a:t>Инженерно-техническаподдержка</a:t>
+            </a:r>
+            <a:r>
+              <a:rPr dirty="0" smtClean="0">
                 <a:latin typeface="Times New Roman" panose="02020603050405020304" pitchFamily="18" charset="0"/>
                 <a:cs typeface="Times New Roman" panose="02020603050405020304" pitchFamily="18" charset="0"/>
               </a:rPr>
@@ -4187,7 +4175,7 @@
           <p:cNvPr id="4" name="Номер слайда 3">
             <a:extLst>
               <a:ext uri="{FF2B5EF4-FFF2-40B4-BE49-F238E27FC236}">
-                <a16:creationId xmlns:a16="http://schemas.microsoft.com/office/drawing/2014/main" id="{59A45030-6981-42B5-A94B-FC49045F84DB}"/>
+                <a16:creationId xmlns:a16="http://schemas.microsoft.com/office/drawing/2014/main" xmlns="" id="{59A45030-6981-42B5-A94B-FC49045F84DB}"/>
               </a:ext>
             </a:extLst>
           </p:cNvPr>
@@ -4241,7 +4229,7 @@
           <p:cNvPr id="8" name="Объект 7">
             <a:extLst>
               <a:ext uri="{FF2B5EF4-FFF2-40B4-BE49-F238E27FC236}">
-                <a16:creationId xmlns:a16="http://schemas.microsoft.com/office/drawing/2014/main" id="{2374E6F0-17DA-43A7-BD95-25594F0D7887}"/>
+                <a16:creationId xmlns:a16="http://schemas.microsoft.com/office/drawing/2014/main" xmlns="" id="{2374E6F0-17DA-43A7-BD95-25594F0D7887}"/>
               </a:ext>
             </a:extLst>
           </p:cNvPr>
@@ -4270,7 +4258,7 @@
           <p:cNvPr id="4" name="Номер слайда 3">
             <a:extLst>
               <a:ext uri="{FF2B5EF4-FFF2-40B4-BE49-F238E27FC236}">
-                <a16:creationId xmlns:a16="http://schemas.microsoft.com/office/drawing/2014/main" id="{0F1F2A9F-C953-4059-A5E6-CE2261F7D4D2}"/>
+                <a16:creationId xmlns:a16="http://schemas.microsoft.com/office/drawing/2014/main" xmlns="" id="{0F1F2A9F-C953-4059-A5E6-CE2261F7D4D2}"/>
               </a:ext>
             </a:extLst>
           </p:cNvPr>
@@ -4556,7 +4544,7 @@
           <p:cNvPr id="4" name="Номер слайда 3">
             <a:extLst>
               <a:ext uri="{FF2B5EF4-FFF2-40B4-BE49-F238E27FC236}">
-                <a16:creationId xmlns:a16="http://schemas.microsoft.com/office/drawing/2014/main" id="{85D6E2C6-2682-4A31-A8CA-F271CF5F985A}"/>
+                <a16:creationId xmlns:a16="http://schemas.microsoft.com/office/drawing/2014/main" xmlns="" id="{85D6E2C6-2682-4A31-A8CA-F271CF5F985A}"/>
               </a:ext>
             </a:extLst>
           </p:cNvPr>
@@ -4676,7 +4664,7 @@
           <p:cNvPr id="4" name="Номер слайда 3">
             <a:extLst>
               <a:ext uri="{FF2B5EF4-FFF2-40B4-BE49-F238E27FC236}">
-                <a16:creationId xmlns:a16="http://schemas.microsoft.com/office/drawing/2014/main" id="{A8F2A1B5-E71E-4660-97E8-362F631A6BAA}"/>
+                <a16:creationId xmlns:a16="http://schemas.microsoft.com/office/drawing/2014/main" xmlns="" id="{A8F2A1B5-E71E-4660-97E8-362F631A6BAA}"/>
               </a:ext>
             </a:extLst>
           </p:cNvPr>
@@ -4773,6 +4761,13 @@
                 <a:cs typeface="Times New Roman" panose="02020603050405020304" pitchFamily="18" charset="0"/>
               </a:rPr>
             </a:br>
+            <a:r>
+              <a:rPr lang="ru-RU" sz="2800" dirty="0">
+                <a:latin typeface="Times New Roman" panose="02020603050405020304" pitchFamily="18" charset="0"/>
+                <a:cs typeface="Times New Roman" panose="02020603050405020304" pitchFamily="18" charset="0"/>
+              </a:rPr>
+              <a:t/>
+            </a:r>
             <a:br>
               <a:rPr lang="ru-RU" sz="2800" dirty="0">
                 <a:latin typeface="Times New Roman" panose="02020603050405020304" pitchFamily="18" charset="0"/>
@@ -4812,6 +4807,13 @@
                 <a:cs typeface="Times New Roman" panose="02020603050405020304" pitchFamily="18" charset="0"/>
               </a:rPr>
             </a:br>
+            <a:r>
+              <a:rPr lang="ru-RU" sz="2800" dirty="0">
+                <a:latin typeface="Times New Roman" panose="02020603050405020304" pitchFamily="18" charset="0"/>
+                <a:cs typeface="Times New Roman" panose="02020603050405020304" pitchFamily="18" charset="0"/>
+              </a:rPr>
+              <a:t/>
+            </a:r>
             <a:br>
               <a:rPr lang="ru-RU" sz="2800" dirty="0">
                 <a:latin typeface="Times New Roman" panose="02020603050405020304" pitchFamily="18" charset="0"/>
@@ -4847,7 +4849,7 @@
           <p:cNvPr id="4" name="Номер слайда 3">
             <a:extLst>
               <a:ext uri="{FF2B5EF4-FFF2-40B4-BE49-F238E27FC236}">
-                <a16:creationId xmlns:a16="http://schemas.microsoft.com/office/drawing/2014/main" id="{7D652ADA-0FA5-482C-81EB-3E4FB8443F7F}"/>
+                <a16:creationId xmlns:a16="http://schemas.microsoft.com/office/drawing/2014/main" xmlns="" id="{7D652ADA-0FA5-482C-81EB-3E4FB8443F7F}"/>
               </a:ext>
             </a:extLst>
           </p:cNvPr>
@@ -4876,7 +4878,7 @@
           <p:cNvPr id="8" name="Рисунок 7">
             <a:extLst>
               <a:ext uri="{FF2B5EF4-FFF2-40B4-BE49-F238E27FC236}">
-                <a16:creationId xmlns:a16="http://schemas.microsoft.com/office/drawing/2014/main" id="{DD3431BD-E817-49E1-AEF5-25271E1B7538}"/>
+                <a16:creationId xmlns:a16="http://schemas.microsoft.com/office/drawing/2014/main" xmlns="" id="{DD3431BD-E817-49E1-AEF5-25271E1B7538}"/>
               </a:ext>
             </a:extLst>
           </p:cNvPr>
@@ -5290,7 +5292,7 @@
           <p:cNvPr id="9" name="Рисунок 8">
             <a:extLst>
               <a:ext uri="{FF2B5EF4-FFF2-40B4-BE49-F238E27FC236}">
-                <a16:creationId xmlns:a16="http://schemas.microsoft.com/office/drawing/2014/main" id="{45C87589-77D1-4FFA-9FF2-B0E2D26E448D}"/>
+                <a16:creationId xmlns:a16="http://schemas.microsoft.com/office/drawing/2014/main" xmlns="" id="{45C87589-77D1-4FFA-9FF2-B0E2D26E448D}"/>
               </a:ext>
             </a:extLst>
           </p:cNvPr>
@@ -5320,7 +5322,7 @@
           <p:cNvPr id="4" name="Номер слайда 3">
             <a:extLst>
               <a:ext uri="{FF2B5EF4-FFF2-40B4-BE49-F238E27FC236}">
-                <a16:creationId xmlns:a16="http://schemas.microsoft.com/office/drawing/2014/main" id="{7D652ADA-0FA5-482C-81EB-3E4FB8443F7F}"/>
+                <a16:creationId xmlns:a16="http://schemas.microsoft.com/office/drawing/2014/main" xmlns="" id="{7D652ADA-0FA5-482C-81EB-3E4FB8443F7F}"/>
               </a:ext>
             </a:extLst>
           </p:cNvPr>
@@ -5374,7 +5376,7 @@
           <p:cNvPr id="2" name="Заголовок 1">
             <a:extLst>
               <a:ext uri="{FF2B5EF4-FFF2-40B4-BE49-F238E27FC236}">
-                <a16:creationId xmlns:a16="http://schemas.microsoft.com/office/drawing/2014/main" id="{24DF1351-DAF5-47F9-9694-CB7AC441DDD0}"/>
+                <a16:creationId xmlns:a16="http://schemas.microsoft.com/office/drawing/2014/main" xmlns="" id="{24DF1351-DAF5-47F9-9694-CB7AC441DDD0}"/>
               </a:ext>
             </a:extLst>
           </p:cNvPr>
@@ -5407,7 +5409,7 @@
           <p:cNvPr id="3" name="Объект 2">
             <a:extLst>
               <a:ext uri="{FF2B5EF4-FFF2-40B4-BE49-F238E27FC236}">
-                <a16:creationId xmlns:a16="http://schemas.microsoft.com/office/drawing/2014/main" id="{697EA2F5-12DE-461B-879C-FFA2A836DA64}"/>
+                <a16:creationId xmlns:a16="http://schemas.microsoft.com/office/drawing/2014/main" xmlns="" id="{697EA2F5-12DE-461B-879C-FFA2A836DA64}"/>
               </a:ext>
             </a:extLst>
           </p:cNvPr>
@@ -5558,7 +5560,7 @@
           <p:cNvPr id="4" name="Номер слайда 3">
             <a:extLst>
               <a:ext uri="{FF2B5EF4-FFF2-40B4-BE49-F238E27FC236}">
-                <a16:creationId xmlns:a16="http://schemas.microsoft.com/office/drawing/2014/main" id="{2629A5AA-2CFF-488E-812C-B41E8A604FA7}"/>
+                <a16:creationId xmlns:a16="http://schemas.microsoft.com/office/drawing/2014/main" xmlns="" id="{2629A5AA-2CFF-488E-812C-B41E8A604FA7}"/>
               </a:ext>
             </a:extLst>
           </p:cNvPr>
@@ -5803,7 +5805,7 @@
           <p:cNvPr id="4" name="Номер слайда 3">
             <a:extLst>
               <a:ext uri="{FF2B5EF4-FFF2-40B4-BE49-F238E27FC236}">
-                <a16:creationId xmlns:a16="http://schemas.microsoft.com/office/drawing/2014/main" id="{D4990046-6C85-4C0B-9B99-B8B23DF134A5}"/>
+                <a16:creationId xmlns:a16="http://schemas.microsoft.com/office/drawing/2014/main" xmlns="" id="{D4990046-6C85-4C0B-9B99-B8B23DF134A5}"/>
               </a:ext>
             </a:extLst>
           </p:cNvPr>
@@ -5857,7 +5859,7 @@
           <p:cNvPr id="2" name="Заголовок 1">
             <a:extLst>
               <a:ext uri="{FF2B5EF4-FFF2-40B4-BE49-F238E27FC236}">
-                <a16:creationId xmlns:a16="http://schemas.microsoft.com/office/drawing/2014/main" id="{A8C304DF-7D8F-431F-BDBB-53B37E9C7D9E}"/>
+                <a16:creationId xmlns:a16="http://schemas.microsoft.com/office/drawing/2014/main" xmlns="" id="{A8C304DF-7D8F-431F-BDBB-53B37E9C7D9E}"/>
               </a:ext>
             </a:extLst>
           </p:cNvPr>
@@ -5903,7 +5905,7 @@
           <p:cNvPr id="3" name="Объект 2">
             <a:extLst>
               <a:ext uri="{FF2B5EF4-FFF2-40B4-BE49-F238E27FC236}">
-                <a16:creationId xmlns:a16="http://schemas.microsoft.com/office/drawing/2014/main" id="{6516423C-DD94-4FA6-B224-896093420068}"/>
+                <a16:creationId xmlns:a16="http://schemas.microsoft.com/office/drawing/2014/main" xmlns="" id="{6516423C-DD94-4FA6-B224-896093420068}"/>
               </a:ext>
             </a:extLst>
           </p:cNvPr>
@@ -6143,7 +6145,7 @@
           <p:cNvPr id="4" name="Номер слайда 3">
             <a:extLst>
               <a:ext uri="{FF2B5EF4-FFF2-40B4-BE49-F238E27FC236}">
-                <a16:creationId xmlns:a16="http://schemas.microsoft.com/office/drawing/2014/main" id="{9BAD6EB1-83EC-4FCB-9CD1-7AB1CEA9FCE5}"/>
+                <a16:creationId xmlns:a16="http://schemas.microsoft.com/office/drawing/2014/main" xmlns="" id="{9BAD6EB1-83EC-4FCB-9CD1-7AB1CEA9FCE5}"/>
               </a:ext>
             </a:extLst>
           </p:cNvPr>
@@ -6540,7 +6542,7 @@
           <p:cNvPr id="4" name="Номер слайда 3">
             <a:extLst>
               <a:ext uri="{FF2B5EF4-FFF2-40B4-BE49-F238E27FC236}">
-                <a16:creationId xmlns:a16="http://schemas.microsoft.com/office/drawing/2014/main" id="{0AB8FF7E-8B44-4F3B-9ECA-FAEF6596D636}"/>
+                <a16:creationId xmlns:a16="http://schemas.microsoft.com/office/drawing/2014/main" xmlns="" id="{0AB8FF7E-8B44-4F3B-9ECA-FAEF6596D636}"/>
               </a:ext>
             </a:extLst>
           </p:cNvPr>
@@ -6832,7 +6834,7 @@
           <p:cNvPr id="4" name="Номер слайда 3">
             <a:extLst>
               <a:ext uri="{FF2B5EF4-FFF2-40B4-BE49-F238E27FC236}">
-                <a16:creationId xmlns:a16="http://schemas.microsoft.com/office/drawing/2014/main" id="{1CD990E0-79CA-4245-A009-D270279911BC}"/>
+                <a16:creationId xmlns:a16="http://schemas.microsoft.com/office/drawing/2014/main" xmlns="" id="{1CD990E0-79CA-4245-A009-D270279911BC}"/>
               </a:ext>
             </a:extLst>
           </p:cNvPr>
@@ -7473,7 +7475,7 @@
   <a:extraClrSchemeLst/>
   <a:extLst>
     <a:ext uri="{05A4C25C-085E-4340-85A3-A5531E510DB2}">
-      <thm15:themeFamily xmlns:thm15="http://schemas.microsoft.com/office/thememl/2012/main" name="Office Theme" id="{62F939B6-93AF-4DB8-9C6B-D6C7DFDC589F}" vid="{4A3C46E8-61CC-4603-A589-7422A47A8E4A}"/>
+      <thm15:themeFamily xmlns:thm15="http://schemas.microsoft.com/office/thememl/2012/main" xmlns="" name="Office Theme" id="{62F939B6-93AF-4DB8-9C6B-D6C7DFDC589F}" vid="{4A3C46E8-61CC-4603-A589-7422A47A8E4A}"/>
     </a:ext>
   </a:extLst>
 </a:theme>
@@ -7768,7 +7770,7 @@
   <a:extraClrSchemeLst/>
   <a:extLst>
     <a:ext uri="{05A4C25C-085E-4340-85A3-A5531E510DB2}">
-      <thm15:themeFamily xmlns:thm15="http://schemas.microsoft.com/office/thememl/2012/main" name="Office Theme" id="{62F939B6-93AF-4DB8-9C6B-D6C7DFDC589F}" vid="{4A3C46E8-61CC-4603-A589-7422A47A8E4A}"/>
+      <thm15:themeFamily xmlns:thm15="http://schemas.microsoft.com/office/thememl/2012/main" xmlns="" name="Office Theme" id="{62F939B6-93AF-4DB8-9C6B-D6C7DFDC589F}" vid="{4A3C46E8-61CC-4603-A589-7422A47A8E4A}"/>
     </a:ext>
   </a:extLst>
 </a:theme>

--- a/lectures/Лекция №0_ОсновыGit.pptx
+++ b/lectures/Лекция №0_ОсновыGit.pptx
@@ -5428,7 +5428,7 @@
         </p:spPr>
         <p:txBody>
           <a:bodyPr>
-            <a:normAutofit fontScale="85000" lnSpcReduction="20000"/>
+            <a:normAutofit fontScale="77500" lnSpcReduction="20000"/>
           </a:bodyPr>
           <a:lstStyle/>
           <a:p>
@@ -5515,8 +5515,56 @@
                 <a:latin typeface="Times New Roman" panose="02020603050405020304" pitchFamily="18" charset="0"/>
                 <a:cs typeface="Times New Roman" panose="02020603050405020304" pitchFamily="18" charset="0"/>
               </a:rPr>
-              <a:t>– от 0,5 до 1,5 баллов.</a:t>
-            </a:r>
+              <a:t>– от 0,5 до 1,5 баллов</a:t>
+            </a:r>
+            <a:r>
+              <a:rPr lang="ru-RU" dirty="0" smtClean="0">
+                <a:latin typeface="Times New Roman" panose="02020603050405020304" pitchFamily="18" charset="0"/>
+                <a:cs typeface="Times New Roman" panose="02020603050405020304" pitchFamily="18" charset="0"/>
+              </a:rPr>
+              <a:t>.</a:t>
+            </a:r>
+          </a:p>
+          <a:p>
+            <a:pPr marL="0" indent="0">
+              <a:buNone/>
+            </a:pPr>
+            <a:r>
+              <a:rPr lang="ru-RU" dirty="0">
+                <a:solidFill>
+                  <a:srgbClr val="FF0000"/>
+                </a:solidFill>
+                <a:latin typeface="Times New Roman" panose="02020603050405020304" pitchFamily="18" charset="0"/>
+                <a:cs typeface="Times New Roman" panose="02020603050405020304" pitchFamily="18" charset="0"/>
+              </a:rPr>
+              <a:t/>
+            </a:r>
+            <a:br>
+              <a:rPr lang="ru-RU" dirty="0">
+                <a:solidFill>
+                  <a:srgbClr val="FF0000"/>
+                </a:solidFill>
+                <a:latin typeface="Times New Roman" panose="02020603050405020304" pitchFamily="18" charset="0"/>
+                <a:cs typeface="Times New Roman" panose="02020603050405020304" pitchFamily="18" charset="0"/>
+              </a:rPr>
+            </a:br>
+            <a:r>
+              <a:rPr lang="ru-RU" dirty="0" smtClean="0">
+                <a:solidFill>
+                  <a:srgbClr val="FF0000"/>
+                </a:solidFill>
+                <a:latin typeface="Times New Roman" panose="02020603050405020304" pitchFamily="18" charset="0"/>
+                <a:cs typeface="Times New Roman" panose="02020603050405020304" pitchFamily="18" charset="0"/>
+              </a:rPr>
+              <a:t>Система оценивания подумать как сделать проще </a:t>
+            </a:r>
+            <a:endParaRPr lang="ru-RU" dirty="0">
+              <a:solidFill>
+                <a:srgbClr val="FF0000"/>
+              </a:solidFill>
+              <a:latin typeface="Times New Roman" panose="02020603050405020304" pitchFamily="18" charset="0"/>
+              <a:cs typeface="Times New Roman" panose="02020603050405020304" pitchFamily="18" charset="0"/>
+            </a:endParaRPr>
           </a:p>
           <a:p>
             <a:pPr marL="0" indent="0">

--- a/lectures/Лекция №0_ОсновыGit.pptx
+++ b/lectures/Лекция №0_ОсновыGit.pptx
@@ -123,7 +123,7 @@
   </p:defaultTextStyle>
   <p:extLst>
     <p:ext uri="{EFAFB233-063F-42B5-8137-9DF3F51BA10A}">
-      <p15:sldGuideLst xmlns:p15="http://schemas.microsoft.com/office/powerpoint/2012/main" xmlns="">
+      <p15:sldGuideLst xmlns="" xmlns:p15="http://schemas.microsoft.com/office/powerpoint/2012/main">
         <p15:guide id="1" orient="horz" pos="2160" userDrawn="1">
           <p15:clr>
             <a:srgbClr val="A4A3A4"/>
@@ -137,7 +137,7 @@
       </p15:sldGuideLst>
     </p:ext>
     <p:ext uri="{2D200454-40CA-4A62-9FC3-DE9A4176ACB9}">
-      <p15:notesGuideLst xmlns:p15="http://schemas.microsoft.com/office/powerpoint/2012/main" xmlns=""/>
+      <p15:notesGuideLst xmlns="" xmlns:p15="http://schemas.microsoft.com/office/powerpoint/2012/main"/>
     </p:ext>
   </p:extLst>
 </p:presentation>
@@ -170,7 +170,7 @@
           <p:cNvPr id="2" name="Верхний колонтитул 1">
             <a:extLst>
               <a:ext uri="{FF2B5EF4-FFF2-40B4-BE49-F238E27FC236}">
-                <a16:creationId xmlns:a16="http://schemas.microsoft.com/office/drawing/2014/main" xmlns="" id="{E5900440-D3CB-48E5-A052-3C4A4747E7E6}"/>
+                <a16:creationId xmlns="" xmlns:a16="http://schemas.microsoft.com/office/drawing/2014/main" id="{E5900440-D3CB-48E5-A052-3C4A4747E7E6}"/>
               </a:ext>
             </a:extLst>
           </p:cNvPr>
@@ -207,7 +207,7 @@
           <p:cNvPr id="3" name="Дата 2">
             <a:extLst>
               <a:ext uri="{FF2B5EF4-FFF2-40B4-BE49-F238E27FC236}">
-                <a16:creationId xmlns:a16="http://schemas.microsoft.com/office/drawing/2014/main" xmlns="" id="{92AC6D95-528E-49B2-A3E5-18B794DC8FDF}"/>
+                <a16:creationId xmlns="" xmlns:a16="http://schemas.microsoft.com/office/drawing/2014/main" id="{92AC6D95-528E-49B2-A3E5-18B794DC8FDF}"/>
               </a:ext>
             </a:extLst>
           </p:cNvPr>
@@ -248,7 +248,7 @@
           <p:cNvPr id="4" name="Нижний колонтитул 3">
             <a:extLst>
               <a:ext uri="{FF2B5EF4-FFF2-40B4-BE49-F238E27FC236}">
-                <a16:creationId xmlns:a16="http://schemas.microsoft.com/office/drawing/2014/main" xmlns="" id="{E5FE36F5-F5F4-4B17-A42E-507A4A48AFDA}"/>
+                <a16:creationId xmlns="" xmlns:a16="http://schemas.microsoft.com/office/drawing/2014/main" id="{E5FE36F5-F5F4-4B17-A42E-507A4A48AFDA}"/>
               </a:ext>
             </a:extLst>
           </p:cNvPr>
@@ -285,7 +285,7 @@
           <p:cNvPr id="5" name="Номер слайда 4">
             <a:extLst>
               <a:ext uri="{FF2B5EF4-FFF2-40B4-BE49-F238E27FC236}">
-                <a16:creationId xmlns:a16="http://schemas.microsoft.com/office/drawing/2014/main" xmlns="" id="{2940DB32-2375-4199-ACEC-A873EA922A07}"/>
+                <a16:creationId xmlns="" xmlns:a16="http://schemas.microsoft.com/office/drawing/2014/main" id="{2940DB32-2375-4199-ACEC-A873EA922A07}"/>
               </a:ext>
             </a:extLst>
           </p:cNvPr>
@@ -4175,7 +4175,7 @@
           <p:cNvPr id="4" name="Номер слайда 3">
             <a:extLst>
               <a:ext uri="{FF2B5EF4-FFF2-40B4-BE49-F238E27FC236}">
-                <a16:creationId xmlns:a16="http://schemas.microsoft.com/office/drawing/2014/main" xmlns="" id="{59A45030-6981-42B5-A94B-FC49045F84DB}"/>
+                <a16:creationId xmlns="" xmlns:a16="http://schemas.microsoft.com/office/drawing/2014/main" id="{59A45030-6981-42B5-A94B-FC49045F84DB}"/>
               </a:ext>
             </a:extLst>
           </p:cNvPr>
@@ -4229,7 +4229,7 @@
           <p:cNvPr id="8" name="Объект 7">
             <a:extLst>
               <a:ext uri="{FF2B5EF4-FFF2-40B4-BE49-F238E27FC236}">
-                <a16:creationId xmlns:a16="http://schemas.microsoft.com/office/drawing/2014/main" xmlns="" id="{2374E6F0-17DA-43A7-BD95-25594F0D7887}"/>
+                <a16:creationId xmlns="" xmlns:a16="http://schemas.microsoft.com/office/drawing/2014/main" id="{2374E6F0-17DA-43A7-BD95-25594F0D7887}"/>
               </a:ext>
             </a:extLst>
           </p:cNvPr>
@@ -4258,7 +4258,7 @@
           <p:cNvPr id="4" name="Номер слайда 3">
             <a:extLst>
               <a:ext uri="{FF2B5EF4-FFF2-40B4-BE49-F238E27FC236}">
-                <a16:creationId xmlns:a16="http://schemas.microsoft.com/office/drawing/2014/main" xmlns="" id="{0F1F2A9F-C953-4059-A5E6-CE2261F7D4D2}"/>
+                <a16:creationId xmlns="" xmlns:a16="http://schemas.microsoft.com/office/drawing/2014/main" id="{0F1F2A9F-C953-4059-A5E6-CE2261F7D4D2}"/>
               </a:ext>
             </a:extLst>
           </p:cNvPr>
@@ -4544,7 +4544,7 @@
           <p:cNvPr id="4" name="Номер слайда 3">
             <a:extLst>
               <a:ext uri="{FF2B5EF4-FFF2-40B4-BE49-F238E27FC236}">
-                <a16:creationId xmlns:a16="http://schemas.microsoft.com/office/drawing/2014/main" xmlns="" id="{85D6E2C6-2682-4A31-A8CA-F271CF5F985A}"/>
+                <a16:creationId xmlns="" xmlns:a16="http://schemas.microsoft.com/office/drawing/2014/main" id="{85D6E2C6-2682-4A31-A8CA-F271CF5F985A}"/>
               </a:ext>
             </a:extLst>
           </p:cNvPr>
@@ -4664,7 +4664,7 @@
           <p:cNvPr id="4" name="Номер слайда 3">
             <a:extLst>
               <a:ext uri="{FF2B5EF4-FFF2-40B4-BE49-F238E27FC236}">
-                <a16:creationId xmlns:a16="http://schemas.microsoft.com/office/drawing/2014/main" xmlns="" id="{A8F2A1B5-E71E-4660-97E8-362F631A6BAA}"/>
+                <a16:creationId xmlns="" xmlns:a16="http://schemas.microsoft.com/office/drawing/2014/main" id="{A8F2A1B5-E71E-4660-97E8-362F631A6BAA}"/>
               </a:ext>
             </a:extLst>
           </p:cNvPr>
@@ -4849,7 +4849,7 @@
           <p:cNvPr id="4" name="Номер слайда 3">
             <a:extLst>
               <a:ext uri="{FF2B5EF4-FFF2-40B4-BE49-F238E27FC236}">
-                <a16:creationId xmlns:a16="http://schemas.microsoft.com/office/drawing/2014/main" xmlns="" id="{7D652ADA-0FA5-482C-81EB-3E4FB8443F7F}"/>
+                <a16:creationId xmlns="" xmlns:a16="http://schemas.microsoft.com/office/drawing/2014/main" id="{7D652ADA-0FA5-482C-81EB-3E4FB8443F7F}"/>
               </a:ext>
             </a:extLst>
           </p:cNvPr>
@@ -4878,7 +4878,7 @@
           <p:cNvPr id="8" name="Рисунок 7">
             <a:extLst>
               <a:ext uri="{FF2B5EF4-FFF2-40B4-BE49-F238E27FC236}">
-                <a16:creationId xmlns:a16="http://schemas.microsoft.com/office/drawing/2014/main" xmlns="" id="{DD3431BD-E817-49E1-AEF5-25271E1B7538}"/>
+                <a16:creationId xmlns="" xmlns:a16="http://schemas.microsoft.com/office/drawing/2014/main" id="{DD3431BD-E817-49E1-AEF5-25271E1B7538}"/>
               </a:ext>
             </a:extLst>
           </p:cNvPr>
@@ -5292,7 +5292,7 @@
           <p:cNvPr id="9" name="Рисунок 8">
             <a:extLst>
               <a:ext uri="{FF2B5EF4-FFF2-40B4-BE49-F238E27FC236}">
-                <a16:creationId xmlns:a16="http://schemas.microsoft.com/office/drawing/2014/main" xmlns="" id="{45C87589-77D1-4FFA-9FF2-B0E2D26E448D}"/>
+                <a16:creationId xmlns="" xmlns:a16="http://schemas.microsoft.com/office/drawing/2014/main" id="{45C87589-77D1-4FFA-9FF2-B0E2D26E448D}"/>
               </a:ext>
             </a:extLst>
           </p:cNvPr>
@@ -5322,7 +5322,7 @@
           <p:cNvPr id="4" name="Номер слайда 3">
             <a:extLst>
               <a:ext uri="{FF2B5EF4-FFF2-40B4-BE49-F238E27FC236}">
-                <a16:creationId xmlns:a16="http://schemas.microsoft.com/office/drawing/2014/main" xmlns="" id="{7D652ADA-0FA5-482C-81EB-3E4FB8443F7F}"/>
+                <a16:creationId xmlns="" xmlns:a16="http://schemas.microsoft.com/office/drawing/2014/main" id="{7D652ADA-0FA5-482C-81EB-3E4FB8443F7F}"/>
               </a:ext>
             </a:extLst>
           </p:cNvPr>
@@ -5376,7 +5376,7 @@
           <p:cNvPr id="2" name="Заголовок 1">
             <a:extLst>
               <a:ext uri="{FF2B5EF4-FFF2-40B4-BE49-F238E27FC236}">
-                <a16:creationId xmlns:a16="http://schemas.microsoft.com/office/drawing/2014/main" xmlns="" id="{24DF1351-DAF5-47F9-9694-CB7AC441DDD0}"/>
+                <a16:creationId xmlns="" xmlns:a16="http://schemas.microsoft.com/office/drawing/2014/main" id="{24DF1351-DAF5-47F9-9694-CB7AC441DDD0}"/>
               </a:ext>
             </a:extLst>
           </p:cNvPr>
@@ -5387,7 +5387,12 @@
             <p:ph type="title"/>
           </p:nvPr>
         </p:nvSpPr>
-        <p:spPr/>
+        <p:spPr>
+          <a:xfrm>
+            <a:off x="457200" y="-16764"/>
+            <a:ext cx="8229600" cy="1143000"/>
+          </a:xfrm>
+        </p:spPr>
         <p:txBody>
           <a:bodyPr>
             <a:normAutofit/>
@@ -5409,7 +5414,7 @@
           <p:cNvPr id="3" name="Объект 2">
             <a:extLst>
               <a:ext uri="{FF2B5EF4-FFF2-40B4-BE49-F238E27FC236}">
-                <a16:creationId xmlns:a16="http://schemas.microsoft.com/office/drawing/2014/main" xmlns="" id="{697EA2F5-12DE-461B-879C-FFA2A836DA64}"/>
+                <a16:creationId xmlns="" xmlns:a16="http://schemas.microsoft.com/office/drawing/2014/main" id="{697EA2F5-12DE-461B-879C-FFA2A836DA64}"/>
               </a:ext>
             </a:extLst>
           </p:cNvPr>
@@ -5422,13 +5427,13 @@
         </p:nvSpPr>
         <p:spPr>
           <a:xfrm>
-            <a:off x="457200" y="1600204"/>
-            <a:ext cx="8229600" cy="4649771"/>
+            <a:off x="457200" y="1296238"/>
+            <a:ext cx="8229600" cy="4953738"/>
           </a:xfrm>
         </p:spPr>
         <p:txBody>
           <a:bodyPr>
-            <a:normAutofit fontScale="77500" lnSpcReduction="20000"/>
+            <a:noAutofit/>
           </a:bodyPr>
           <a:lstStyle/>
           <a:p>
@@ -5436,18 +5441,32 @@
               <a:buNone/>
             </a:pPr>
             <a:r>
-              <a:rPr lang="ru-RU" b="1" dirty="0">
+              <a:rPr lang="ru-RU" sz="1800" b="1" dirty="0">
                 <a:latin typeface="Times New Roman" panose="02020603050405020304" pitchFamily="18" charset="0"/>
                 <a:cs typeface="Times New Roman" panose="02020603050405020304" pitchFamily="18" charset="0"/>
               </a:rPr>
               <a:t>Посещаемость</a:t>
             </a:r>
             <a:r>
-              <a:rPr lang="ru-RU" dirty="0">
-                <a:latin typeface="Times New Roman" panose="02020603050405020304" pitchFamily="18" charset="0"/>
-                <a:cs typeface="Times New Roman" panose="02020603050405020304" pitchFamily="18" charset="0"/>
-              </a:rPr>
-              <a:t> – до 0,5 балла (стимул ходить на лекции).</a:t>
+              <a:rPr lang="ru-RU" sz="1800" dirty="0">
+                <a:latin typeface="Times New Roman" panose="02020603050405020304" pitchFamily="18" charset="0"/>
+                <a:cs typeface="Times New Roman" panose="02020603050405020304" pitchFamily="18" charset="0"/>
+              </a:rPr>
+              <a:t> </a:t>
+            </a:r>
+            <a:r>
+              <a:rPr lang="ru-RU" sz="1800" dirty="0" smtClean="0">
+                <a:latin typeface="Times New Roman" panose="02020603050405020304" pitchFamily="18" charset="0"/>
+                <a:cs typeface="Times New Roman" panose="02020603050405020304" pitchFamily="18" charset="0"/>
+              </a:rPr>
+              <a:t>– 0,5 </a:t>
+            </a:r>
+            <a:r>
+              <a:rPr lang="ru-RU" sz="1800" dirty="0">
+                <a:latin typeface="Times New Roman" panose="02020603050405020304" pitchFamily="18" charset="0"/>
+                <a:cs typeface="Times New Roman" panose="02020603050405020304" pitchFamily="18" charset="0"/>
+              </a:rPr>
+              <a:t>балла (стимул ходить на лекции).</a:t>
             </a:r>
           </a:p>
           <a:p>
@@ -5455,7 +5474,7 @@
               <a:buNone/>
             </a:pPr>
             <a:r>
-              <a:rPr lang="ru-RU" b="1" dirty="0">
+              <a:rPr lang="ru-RU" sz="1800" b="1" dirty="0">
                 <a:latin typeface="Times New Roman" panose="02020603050405020304" pitchFamily="18" charset="0"/>
                 <a:cs typeface="Times New Roman" panose="02020603050405020304" pitchFamily="18" charset="0"/>
               </a:rPr>
@@ -5463,74 +5482,218 @@
             </a:r>
           </a:p>
           <a:p>
-            <a:r>
-              <a:rPr lang="ru-RU" dirty="0">
-                <a:latin typeface="Times New Roman" panose="02020603050405020304" pitchFamily="18" charset="0"/>
-                <a:cs typeface="Times New Roman" panose="02020603050405020304" pitchFamily="18" charset="0"/>
-              </a:rPr>
-              <a:t>Выполнение = 0,5 балла (минимум за факт сдачи).</a:t>
-            </a:r>
-          </a:p>
-          <a:p>
-            <a:r>
-              <a:rPr lang="ru-RU" dirty="0">
-                <a:latin typeface="Times New Roman" panose="02020603050405020304" pitchFamily="18" charset="0"/>
-                <a:cs typeface="Times New Roman" panose="02020603050405020304" pitchFamily="18" charset="0"/>
-              </a:rPr>
-              <a:t>Качество выполнения = от 1 до 3 баллов.</a:t>
-            </a:r>
-          </a:p>
-          <a:p>
             <a:pPr marL="0" indent="0">
               <a:buNone/>
             </a:pPr>
             <a:r>
-              <a:rPr lang="ru-RU" b="1" dirty="0">
-                <a:latin typeface="Times New Roman" panose="02020603050405020304" pitchFamily="18" charset="0"/>
-                <a:cs typeface="Times New Roman" panose="02020603050405020304" pitchFamily="18" charset="0"/>
-              </a:rPr>
-              <a:t>Дополнительные активности </a:t>
-            </a:r>
-            <a:r>
-              <a:rPr lang="ru-RU" dirty="0">
-                <a:latin typeface="Times New Roman" panose="02020603050405020304" pitchFamily="18" charset="0"/>
-                <a:cs typeface="Times New Roman" panose="02020603050405020304" pitchFamily="18" charset="0"/>
-              </a:rPr>
-              <a:t>– выступление с докладом (+1 балл).</a:t>
-            </a:r>
+              <a:rPr lang="ru-RU" sz="1800" b="1" dirty="0" smtClean="0">
+                <a:latin typeface="Times New Roman" panose="02020603050405020304" pitchFamily="18" charset="0"/>
+                <a:cs typeface="Times New Roman" panose="02020603050405020304" pitchFamily="18" charset="0"/>
+              </a:rPr>
+              <a:t>Качество </a:t>
+            </a:r>
+            <a:r>
+              <a:rPr lang="ru-RU" sz="1800" b="1" dirty="0">
+                <a:latin typeface="Times New Roman" panose="02020603050405020304" pitchFamily="18" charset="0"/>
+                <a:cs typeface="Times New Roman" panose="02020603050405020304" pitchFamily="18" charset="0"/>
+              </a:rPr>
+              <a:t>выполнения </a:t>
+            </a:r>
+            <a:r>
+              <a:rPr lang="ru-RU" sz="1800" dirty="0">
+                <a:latin typeface="Times New Roman" panose="02020603050405020304" pitchFamily="18" charset="0"/>
+                <a:cs typeface="Times New Roman" panose="02020603050405020304" pitchFamily="18" charset="0"/>
+              </a:rPr>
+              <a:t>= от 1 до 3 баллов</a:t>
+            </a:r>
+            <a:r>
+              <a:rPr lang="ru-RU" sz="1800" dirty="0" smtClean="0">
+                <a:latin typeface="Times New Roman" panose="02020603050405020304" pitchFamily="18" charset="0"/>
+                <a:cs typeface="Times New Roman" panose="02020603050405020304" pitchFamily="18" charset="0"/>
+              </a:rPr>
+              <a:t>.</a:t>
+            </a:r>
+            <a:br>
+              <a:rPr lang="ru-RU" sz="1800" dirty="0" smtClean="0">
+                <a:latin typeface="Times New Roman" panose="02020603050405020304" pitchFamily="18" charset="0"/>
+                <a:cs typeface="Times New Roman" panose="02020603050405020304" pitchFamily="18" charset="0"/>
+              </a:rPr>
+            </a:br>
+            <a:endParaRPr lang="ru-RU" sz="1800" dirty="0" smtClean="0">
+              <a:latin typeface="Times New Roman" panose="02020603050405020304" pitchFamily="18" charset="0"/>
+              <a:cs typeface="Times New Roman" panose="02020603050405020304" pitchFamily="18" charset="0"/>
+            </a:endParaRPr>
           </a:p>
           <a:p>
             <a:pPr marL="0" indent="0">
               <a:buNone/>
             </a:pPr>
             <a:r>
-              <a:rPr lang="ru-RU" b="1" dirty="0">
-                <a:latin typeface="Times New Roman" panose="02020603050405020304" pitchFamily="18" charset="0"/>
-                <a:cs typeface="Times New Roman" panose="02020603050405020304" pitchFamily="18" charset="0"/>
-              </a:rPr>
-              <a:t>Зачёт/экзамен </a:t>
-            </a:r>
-            <a:r>
-              <a:rPr lang="ru-RU" dirty="0">
-                <a:latin typeface="Times New Roman" panose="02020603050405020304" pitchFamily="18" charset="0"/>
-                <a:cs typeface="Times New Roman" panose="02020603050405020304" pitchFamily="18" charset="0"/>
-              </a:rPr>
-              <a:t>– от 0,5 до 1,5 баллов</a:t>
-            </a:r>
-            <a:r>
-              <a:rPr lang="ru-RU" dirty="0" smtClean="0">
-                <a:latin typeface="Times New Roman" panose="02020603050405020304" pitchFamily="18" charset="0"/>
-                <a:cs typeface="Times New Roman" panose="02020603050405020304" pitchFamily="18" charset="0"/>
-              </a:rPr>
-              <a:t>.</a:t>
+              <a:rPr lang="ru-RU" sz="1800" b="1" dirty="0" smtClean="0">
+                <a:latin typeface="Times New Roman" panose="02020603050405020304" pitchFamily="18" charset="0"/>
+                <a:cs typeface="Times New Roman" panose="02020603050405020304" pitchFamily="18" charset="0"/>
+              </a:rPr>
+              <a:t>Пример (если в семестре 10 лабораторных):</a:t>
+            </a:r>
+            <a:r>
+              <a:rPr lang="ru-RU" sz="1800" dirty="0">
+                <a:latin typeface="Times New Roman" panose="02020603050405020304" pitchFamily="18" charset="0"/>
+                <a:cs typeface="Times New Roman" panose="02020603050405020304" pitchFamily="18" charset="0"/>
+              </a:rPr>
+              <a:t/>
+            </a:r>
+            <a:br>
+              <a:rPr lang="ru-RU" sz="1800" dirty="0">
+                <a:latin typeface="Times New Roman" panose="02020603050405020304" pitchFamily="18" charset="0"/>
+                <a:cs typeface="Times New Roman" panose="02020603050405020304" pitchFamily="18" charset="0"/>
+              </a:rPr>
+            </a:br>
+            <a:r>
+              <a:rPr lang="ru-RU" sz="1800" dirty="0">
+                <a:latin typeface="Times New Roman" panose="02020603050405020304" pitchFamily="18" charset="0"/>
+                <a:cs typeface="Times New Roman" panose="02020603050405020304" pitchFamily="18" charset="0"/>
+              </a:rPr>
+              <a:t>Сдал 8 </a:t>
+            </a:r>
+            <a:r>
+              <a:rPr lang="ru-RU" sz="1800" dirty="0" err="1">
+                <a:latin typeface="Times New Roman" panose="02020603050405020304" pitchFamily="18" charset="0"/>
+                <a:cs typeface="Times New Roman" panose="02020603050405020304" pitchFamily="18" charset="0"/>
+              </a:rPr>
+              <a:t>лаб</a:t>
+            </a:r>
+            <a:r>
+              <a:rPr lang="ru-RU" sz="1800" dirty="0">
+                <a:latin typeface="Times New Roman" panose="02020603050405020304" pitchFamily="18" charset="0"/>
+                <a:cs typeface="Times New Roman" panose="02020603050405020304" pitchFamily="18" charset="0"/>
+              </a:rPr>
+              <a:t> на [3, 3, 2, 3, 1, 2, 3, 3] -&gt; (3+3+2+3+1+2+3+3) / 8 = </a:t>
+            </a:r>
+            <a:br>
+              <a:rPr lang="ru-RU" sz="1800" dirty="0">
+                <a:latin typeface="Times New Roman" panose="02020603050405020304" pitchFamily="18" charset="0"/>
+                <a:cs typeface="Times New Roman" panose="02020603050405020304" pitchFamily="18" charset="0"/>
+              </a:rPr>
+            </a:br>
+            <a:r>
+              <a:rPr lang="ru-RU" sz="1800" dirty="0">
+                <a:latin typeface="Times New Roman" panose="02020603050405020304" pitchFamily="18" charset="0"/>
+                <a:cs typeface="Times New Roman" panose="02020603050405020304" pitchFamily="18" charset="0"/>
+              </a:rPr>
+              <a:t>20 / 8 = 2.5*</a:t>
+            </a:r>
+            <a:br>
+              <a:rPr lang="ru-RU" sz="1800" dirty="0">
+                <a:latin typeface="Times New Roman" panose="02020603050405020304" pitchFamily="18" charset="0"/>
+                <a:cs typeface="Times New Roman" panose="02020603050405020304" pitchFamily="18" charset="0"/>
+              </a:rPr>
+            </a:br>
+            <a:r>
+              <a:rPr lang="ru-RU" sz="1800" dirty="0" smtClean="0">
+                <a:latin typeface="Times New Roman" panose="02020603050405020304" pitchFamily="18" charset="0"/>
+                <a:cs typeface="Times New Roman" panose="02020603050405020304" pitchFamily="18" charset="0"/>
+              </a:rPr>
+              <a:t>Сдал </a:t>
+            </a:r>
+            <a:r>
+              <a:rPr lang="ru-RU" sz="1800" dirty="0">
+                <a:latin typeface="Times New Roman" panose="02020603050405020304" pitchFamily="18" charset="0"/>
+                <a:cs typeface="Times New Roman" panose="02020603050405020304" pitchFamily="18" charset="0"/>
+              </a:rPr>
+              <a:t>все 10 на [3,3,3,3,3,3,3,3,3,3] -&gt; 30/10 = 3.0</a:t>
+            </a:r>
+            <a:r>
+              <a:rPr lang="ru-RU" sz="1800" dirty="0" smtClean="0">
+                <a:latin typeface="Times New Roman" panose="02020603050405020304" pitchFamily="18" charset="0"/>
+                <a:cs typeface="Times New Roman" panose="02020603050405020304" pitchFamily="18" charset="0"/>
+              </a:rPr>
+              <a:t>*</a:t>
             </a:r>
           </a:p>
           <a:p>
             <a:pPr marL="0" indent="0">
               <a:buNone/>
             </a:pPr>
-            <a:r>
-              <a:rPr lang="ru-RU" dirty="0">
+            <a:endParaRPr lang="ru-RU" sz="1800" dirty="0" smtClean="0">
+              <a:latin typeface="Times New Roman" panose="02020603050405020304" pitchFamily="18" charset="0"/>
+              <a:cs typeface="Times New Roman" panose="02020603050405020304" pitchFamily="18" charset="0"/>
+            </a:endParaRPr>
+          </a:p>
+          <a:p>
+            <a:pPr marL="0" indent="0">
+              <a:buNone/>
+            </a:pPr>
+            <a:r>
+              <a:rPr lang="ru-RU" sz="1800" b="1" dirty="0" smtClean="0">
+                <a:latin typeface="Times New Roman" panose="02020603050405020304" pitchFamily="18" charset="0"/>
+                <a:cs typeface="Times New Roman" panose="02020603050405020304" pitchFamily="18" charset="0"/>
+              </a:rPr>
+              <a:t>Дополнительные </a:t>
+            </a:r>
+            <a:r>
+              <a:rPr lang="ru-RU" sz="1800" b="1" dirty="0">
+                <a:latin typeface="Times New Roman" panose="02020603050405020304" pitchFamily="18" charset="0"/>
+                <a:cs typeface="Times New Roman" panose="02020603050405020304" pitchFamily="18" charset="0"/>
+              </a:rPr>
+              <a:t>активности </a:t>
+            </a:r>
+            <a:r>
+              <a:rPr lang="ru-RU" sz="1800" dirty="0">
+                <a:latin typeface="Times New Roman" panose="02020603050405020304" pitchFamily="18" charset="0"/>
+                <a:cs typeface="Times New Roman" panose="02020603050405020304" pitchFamily="18" charset="0"/>
+              </a:rPr>
+              <a:t>– выступление с докладом </a:t>
+            </a:r>
+            <a:r>
+              <a:rPr lang="ru-RU" sz="1800" dirty="0" smtClean="0">
+                <a:latin typeface="Times New Roman" panose="02020603050405020304" pitchFamily="18" charset="0"/>
+                <a:cs typeface="Times New Roman" panose="02020603050405020304" pitchFamily="18" charset="0"/>
+              </a:rPr>
+              <a:t>(+0,5 </a:t>
+            </a:r>
+            <a:r>
+              <a:rPr lang="ru-RU" sz="1800" dirty="0">
+                <a:latin typeface="Times New Roman" panose="02020603050405020304" pitchFamily="18" charset="0"/>
+                <a:cs typeface="Times New Roman" panose="02020603050405020304" pitchFamily="18" charset="0"/>
+              </a:rPr>
+              <a:t>балл</a:t>
+            </a:r>
+            <a:r>
+              <a:rPr lang="ru-RU" sz="1800" dirty="0" smtClean="0">
+                <a:latin typeface="Times New Roman" panose="02020603050405020304" pitchFamily="18" charset="0"/>
+                <a:cs typeface="Times New Roman" panose="02020603050405020304" pitchFamily="18" charset="0"/>
+              </a:rPr>
+              <a:t>).</a:t>
+            </a:r>
+          </a:p>
+          <a:p>
+            <a:pPr marL="0" indent="0">
+              <a:buNone/>
+            </a:pPr>
+            <a:endParaRPr lang="ru-RU" sz="1800" dirty="0">
+              <a:latin typeface="Times New Roman" panose="02020603050405020304" pitchFamily="18" charset="0"/>
+              <a:cs typeface="Times New Roman" panose="02020603050405020304" pitchFamily="18" charset="0"/>
+            </a:endParaRPr>
+          </a:p>
+          <a:p>
+            <a:pPr marL="0" indent="0">
+              <a:buNone/>
+            </a:pPr>
+            <a:r>
+              <a:rPr lang="ru-RU" sz="1800" b="1" dirty="0" smtClean="0">
+                <a:latin typeface="Times New Roman" panose="02020603050405020304" pitchFamily="18" charset="0"/>
+                <a:cs typeface="Times New Roman" panose="02020603050405020304" pitchFamily="18" charset="0"/>
+              </a:rPr>
+              <a:t>Зачёт/экзамен нужна оценка выше </a:t>
+            </a:r>
+            <a:br>
+              <a:rPr lang="ru-RU" sz="1800" b="1" dirty="0" smtClean="0">
+                <a:latin typeface="Times New Roman" panose="02020603050405020304" pitchFamily="18" charset="0"/>
+                <a:cs typeface="Times New Roman" panose="02020603050405020304" pitchFamily="18" charset="0"/>
+              </a:rPr>
+            </a:br>
+            <a:r>
+              <a:rPr lang="ru-RU" sz="1800" dirty="0">
                 <a:solidFill>
                   <a:srgbClr val="FF0000"/>
                 </a:solidFill>
@@ -5540,7 +5703,7 @@
               <a:t/>
             </a:r>
             <a:br>
-              <a:rPr lang="ru-RU" dirty="0">
+              <a:rPr lang="ru-RU" sz="1800" dirty="0">
                 <a:solidFill>
                   <a:srgbClr val="FF0000"/>
                 </a:solidFill>
@@ -5549,52 +5712,28 @@
               </a:rPr>
             </a:br>
             <a:r>
-              <a:rPr lang="ru-RU" dirty="0" smtClean="0">
-                <a:solidFill>
-                  <a:srgbClr val="FF0000"/>
-                </a:solidFill>
-                <a:latin typeface="Times New Roman" panose="02020603050405020304" pitchFamily="18" charset="0"/>
-                <a:cs typeface="Times New Roman" panose="02020603050405020304" pitchFamily="18" charset="0"/>
-              </a:rPr>
-              <a:t>Система оценивания подумать как сделать проще </a:t>
-            </a:r>
-            <a:endParaRPr lang="ru-RU" dirty="0">
-              <a:solidFill>
-                <a:srgbClr val="FF0000"/>
-              </a:solidFill>
-              <a:latin typeface="Times New Roman" panose="02020603050405020304" pitchFamily="18" charset="0"/>
-              <a:cs typeface="Times New Roman" panose="02020603050405020304" pitchFamily="18" charset="0"/>
-            </a:endParaRPr>
-          </a:p>
-          <a:p>
-            <a:pPr marL="0" indent="0">
-              <a:buNone/>
-            </a:pPr>
-            <a:endParaRPr lang="ru-RU" dirty="0">
-              <a:latin typeface="Times New Roman" panose="02020603050405020304" pitchFamily="18" charset="0"/>
-              <a:cs typeface="Times New Roman" panose="02020603050405020304" pitchFamily="18" charset="0"/>
-            </a:endParaRPr>
-          </a:p>
-          <a:p>
-            <a:pPr marL="0" indent="0">
-              <a:buNone/>
-            </a:pPr>
-            <a:r>
-              <a:rPr lang="ru-RU" dirty="0">
-                <a:latin typeface="Times New Roman" panose="02020603050405020304" pitchFamily="18" charset="0"/>
-                <a:cs typeface="Times New Roman" panose="02020603050405020304" pitchFamily="18" charset="0"/>
-              </a:rPr>
-              <a:t>Итог = накопительная система, всё фиксируется в Excel и доступно для студентов (файл располагается на </a:t>
-            </a:r>
-            <a:r>
-              <a:rPr lang="ru-RU" dirty="0" err="1">
+              <a:rPr lang="ru-RU" sz="1800" dirty="0" smtClean="0">
+                <a:latin typeface="Times New Roman" panose="02020603050405020304" pitchFamily="18" charset="0"/>
+                <a:cs typeface="Times New Roman" panose="02020603050405020304" pitchFamily="18" charset="0"/>
+              </a:rPr>
+              <a:t>Итог </a:t>
+            </a:r>
+            <a:r>
+              <a:rPr lang="ru-RU" sz="1800" dirty="0">
+                <a:latin typeface="Times New Roman" panose="02020603050405020304" pitchFamily="18" charset="0"/>
+                <a:cs typeface="Times New Roman" panose="02020603050405020304" pitchFamily="18" charset="0"/>
+              </a:rPr>
+              <a:t>= накопительная система, всё фиксируется в Excel и доступно для студентов (файл располагается на </a:t>
+            </a:r>
+            <a:r>
+              <a:rPr lang="ru-RU" sz="1800" dirty="0" err="1">
                 <a:latin typeface="Times New Roman" panose="02020603050405020304" pitchFamily="18" charset="0"/>
                 <a:cs typeface="Times New Roman" panose="02020603050405020304" pitchFamily="18" charset="0"/>
               </a:rPr>
               <a:t>репо</a:t>
             </a:r>
             <a:r>
-              <a:rPr lang="ru-RU" dirty="0">
+              <a:rPr lang="ru-RU" sz="1800" dirty="0">
                 <a:latin typeface="Times New Roman" panose="02020603050405020304" pitchFamily="18" charset="0"/>
                 <a:cs typeface="Times New Roman" panose="02020603050405020304" pitchFamily="18" charset="0"/>
               </a:rPr>
@@ -5608,7 +5747,7 @@
           <p:cNvPr id="4" name="Номер слайда 3">
             <a:extLst>
               <a:ext uri="{FF2B5EF4-FFF2-40B4-BE49-F238E27FC236}">
-                <a16:creationId xmlns:a16="http://schemas.microsoft.com/office/drawing/2014/main" xmlns="" id="{2629A5AA-2CFF-488E-812C-B41E8A604FA7}"/>
+                <a16:creationId xmlns="" xmlns:a16="http://schemas.microsoft.com/office/drawing/2014/main" id="{2629A5AA-2CFF-488E-812C-B41E8A604FA7}"/>
               </a:ext>
             </a:extLst>
           </p:cNvPr>
@@ -5632,6 +5771,75 @@
           </a:p>
         </p:txBody>
       </p:sp>
+      <p:pic>
+        <p:nvPicPr>
+          <p:cNvPr id="1026" name="Picture 2"/>
+          <p:cNvPicPr>
+            <a:picLocks noChangeAspect="1" noChangeArrowheads="1"/>
+          </p:cNvPicPr>
+          <p:nvPr/>
+        </p:nvPicPr>
+        <p:blipFill>
+          <a:blip r:embed="rId2">
+            <a:extLst>
+              <a:ext uri="{28A0092B-C50C-407E-A947-70E740481C1C}">
+                <a14:useLocalDpi xmlns:a14="http://schemas.microsoft.com/office/drawing/2010/main" val="0"/>
+              </a:ext>
+            </a:extLst>
+          </a:blip>
+          <a:srcRect/>
+          <a:stretch>
+            <a:fillRect/>
+          </a:stretch>
+        </p:blipFill>
+        <p:spPr bwMode="auto">
+          <a:xfrm>
+            <a:off x="6433009" y="1126236"/>
+            <a:ext cx="2597117" cy="1718267"/>
+          </a:xfrm>
+          <a:prstGeom prst="rect">
+            <a:avLst/>
+          </a:prstGeom>
+          <a:ln>
+            <a:noFill/>
+          </a:ln>
+          <a:effectLst>
+            <a:outerShdw blurRad="292100" dist="139700" dir="2700000" algn="tl" rotWithShape="0">
+              <a:srgbClr val="333333">
+                <a:alpha val="65000"/>
+              </a:srgbClr>
+            </a:outerShdw>
+          </a:effectLst>
+          <a:extLst>
+            <a:ext uri="{909E8E84-426E-40DD-AFC4-6F175D3DCCD1}">
+              <a14:hiddenFill xmlns:a14="http://schemas.microsoft.com/office/drawing/2010/main">
+                <a:solidFill>
+                  <a:schemeClr val="accent1"/>
+                </a:solidFill>
+              </a14:hiddenFill>
+            </a:ext>
+            <a:ext uri="{91240B29-F687-4F45-9708-019B960494DF}">
+              <a14:hiddenLine xmlns:a14="http://schemas.microsoft.com/office/drawing/2010/main" w="9525">
+                <a:solidFill>
+                  <a:schemeClr val="tx1"/>
+                </a:solidFill>
+                <a:miter lim="800000"/>
+                <a:headEnd/>
+                <a:tailEnd/>
+              </a14:hiddenLine>
+            </a:ext>
+            <a:ext uri="{AF507438-7753-43E0-B8FC-AC1667EBCBE1}">
+              <a14:hiddenEffects xmlns:a14="http://schemas.microsoft.com/office/drawing/2010/main">
+                <a:effectLst>
+                  <a:outerShdw dist="35921" dir="2700000" algn="ctr" rotWithShape="0">
+                    <a:schemeClr val="bg2"/>
+                  </a:outerShdw>
+                </a:effectLst>
+              </a14:hiddenEffects>
+            </a:ext>
+          </a:extLst>
+        </p:spPr>
+      </p:pic>
     </p:spTree>
     <p:extLst>
       <p:ext uri="{BB962C8B-B14F-4D97-AF65-F5344CB8AC3E}">
@@ -5853,7 +6061,7 @@
           <p:cNvPr id="4" name="Номер слайда 3">
             <a:extLst>
               <a:ext uri="{FF2B5EF4-FFF2-40B4-BE49-F238E27FC236}">
-                <a16:creationId xmlns:a16="http://schemas.microsoft.com/office/drawing/2014/main" xmlns="" id="{D4990046-6C85-4C0B-9B99-B8B23DF134A5}"/>
+                <a16:creationId xmlns="" xmlns:a16="http://schemas.microsoft.com/office/drawing/2014/main" id="{D4990046-6C85-4C0B-9B99-B8B23DF134A5}"/>
               </a:ext>
             </a:extLst>
           </p:cNvPr>
@@ -5907,7 +6115,7 @@
           <p:cNvPr id="2" name="Заголовок 1">
             <a:extLst>
               <a:ext uri="{FF2B5EF4-FFF2-40B4-BE49-F238E27FC236}">
-                <a16:creationId xmlns:a16="http://schemas.microsoft.com/office/drawing/2014/main" xmlns="" id="{A8C304DF-7D8F-431F-BDBB-53B37E9C7D9E}"/>
+                <a16:creationId xmlns="" xmlns:a16="http://schemas.microsoft.com/office/drawing/2014/main" id="{A8C304DF-7D8F-431F-BDBB-53B37E9C7D9E}"/>
               </a:ext>
             </a:extLst>
           </p:cNvPr>
@@ -5953,7 +6161,7 @@
           <p:cNvPr id="3" name="Объект 2">
             <a:extLst>
               <a:ext uri="{FF2B5EF4-FFF2-40B4-BE49-F238E27FC236}">
-                <a16:creationId xmlns:a16="http://schemas.microsoft.com/office/drawing/2014/main" xmlns="" id="{6516423C-DD94-4FA6-B224-896093420068}"/>
+                <a16:creationId xmlns="" xmlns:a16="http://schemas.microsoft.com/office/drawing/2014/main" id="{6516423C-DD94-4FA6-B224-896093420068}"/>
               </a:ext>
             </a:extLst>
           </p:cNvPr>
@@ -6193,7 +6401,7 @@
           <p:cNvPr id="4" name="Номер слайда 3">
             <a:extLst>
               <a:ext uri="{FF2B5EF4-FFF2-40B4-BE49-F238E27FC236}">
-                <a16:creationId xmlns:a16="http://schemas.microsoft.com/office/drawing/2014/main" xmlns="" id="{9BAD6EB1-83EC-4FCB-9CD1-7AB1CEA9FCE5}"/>
+                <a16:creationId xmlns="" xmlns:a16="http://schemas.microsoft.com/office/drawing/2014/main" id="{9BAD6EB1-83EC-4FCB-9CD1-7AB1CEA9FCE5}"/>
               </a:ext>
             </a:extLst>
           </p:cNvPr>
@@ -6590,7 +6798,7 @@
           <p:cNvPr id="4" name="Номер слайда 3">
             <a:extLst>
               <a:ext uri="{FF2B5EF4-FFF2-40B4-BE49-F238E27FC236}">
-                <a16:creationId xmlns:a16="http://schemas.microsoft.com/office/drawing/2014/main" xmlns="" id="{0AB8FF7E-8B44-4F3B-9ECA-FAEF6596D636}"/>
+                <a16:creationId xmlns="" xmlns:a16="http://schemas.microsoft.com/office/drawing/2014/main" id="{0AB8FF7E-8B44-4F3B-9ECA-FAEF6596D636}"/>
               </a:ext>
             </a:extLst>
           </p:cNvPr>
@@ -6882,7 +7090,7 @@
           <p:cNvPr id="4" name="Номер слайда 3">
             <a:extLst>
               <a:ext uri="{FF2B5EF4-FFF2-40B4-BE49-F238E27FC236}">
-                <a16:creationId xmlns:a16="http://schemas.microsoft.com/office/drawing/2014/main" xmlns="" id="{1CD990E0-79CA-4245-A009-D270279911BC}"/>
+                <a16:creationId xmlns="" xmlns:a16="http://schemas.microsoft.com/office/drawing/2014/main" id="{1CD990E0-79CA-4245-A009-D270279911BC}"/>
               </a:ext>
             </a:extLst>
           </p:cNvPr>
@@ -7523,7 +7731,7 @@
   <a:extraClrSchemeLst/>
   <a:extLst>
     <a:ext uri="{05A4C25C-085E-4340-85A3-A5531E510DB2}">
-      <thm15:themeFamily xmlns:thm15="http://schemas.microsoft.com/office/thememl/2012/main" xmlns="" name="Office Theme" id="{62F939B6-93AF-4DB8-9C6B-D6C7DFDC589F}" vid="{4A3C46E8-61CC-4603-A589-7422A47A8E4A}"/>
+      <thm15:themeFamily xmlns="" xmlns:thm15="http://schemas.microsoft.com/office/thememl/2012/main" name="Office Theme" id="{62F939B6-93AF-4DB8-9C6B-D6C7DFDC589F}" vid="{4A3C46E8-61CC-4603-A589-7422A47A8E4A}"/>
     </a:ext>
   </a:extLst>
 </a:theme>
@@ -7818,7 +8026,7 @@
   <a:extraClrSchemeLst/>
   <a:extLst>
     <a:ext uri="{05A4C25C-085E-4340-85A3-A5531E510DB2}">
-      <thm15:themeFamily xmlns:thm15="http://schemas.microsoft.com/office/thememl/2012/main" xmlns="" name="Office Theme" id="{62F939B6-93AF-4DB8-9C6B-D6C7DFDC589F}" vid="{4A3C46E8-61CC-4603-A589-7422A47A8E4A}"/>
+      <thm15:themeFamily xmlns="" xmlns:thm15="http://schemas.microsoft.com/office/thememl/2012/main" name="Office Theme" id="{62F939B6-93AF-4DB8-9C6B-D6C7DFDC589F}" vid="{4A3C46E8-61CC-4603-A589-7422A47A8E4A}"/>
     </a:ext>
   </a:extLst>
 </a:theme>

--- a/lectures/Лекция №0_ОсновыGit.pptx
+++ b/lectures/Лекция №0_ОсновыGit.pptx
@@ -123,7 +123,7 @@
   </p:defaultTextStyle>
   <p:extLst>
     <p:ext uri="{EFAFB233-063F-42B5-8137-9DF3F51BA10A}">
-      <p15:sldGuideLst xmlns="" xmlns:p15="http://schemas.microsoft.com/office/powerpoint/2012/main">
+      <p15:sldGuideLst xmlns:p15="http://schemas.microsoft.com/office/powerpoint/2012/main" xmlns="">
         <p15:guide id="1" orient="horz" pos="2160" userDrawn="1">
           <p15:clr>
             <a:srgbClr val="A4A3A4"/>
@@ -137,7 +137,7 @@
       </p15:sldGuideLst>
     </p:ext>
     <p:ext uri="{2D200454-40CA-4A62-9FC3-DE9A4176ACB9}">
-      <p15:notesGuideLst xmlns="" xmlns:p15="http://schemas.microsoft.com/office/powerpoint/2012/main"/>
+      <p15:notesGuideLst xmlns:p15="http://schemas.microsoft.com/office/powerpoint/2012/main" xmlns=""/>
     </p:ext>
   </p:extLst>
 </p:presentation>
@@ -170,7 +170,7 @@
           <p:cNvPr id="2" name="Верхний колонтитул 1">
             <a:extLst>
               <a:ext uri="{FF2B5EF4-FFF2-40B4-BE49-F238E27FC236}">
-                <a16:creationId xmlns="" xmlns:a16="http://schemas.microsoft.com/office/drawing/2014/main" id="{E5900440-D3CB-48E5-A052-3C4A4747E7E6}"/>
+                <a16:creationId xmlns:a16="http://schemas.microsoft.com/office/drawing/2014/main" xmlns="" id="{E5900440-D3CB-48E5-A052-3C4A4747E7E6}"/>
               </a:ext>
             </a:extLst>
           </p:cNvPr>
@@ -207,7 +207,7 @@
           <p:cNvPr id="3" name="Дата 2">
             <a:extLst>
               <a:ext uri="{FF2B5EF4-FFF2-40B4-BE49-F238E27FC236}">
-                <a16:creationId xmlns="" xmlns:a16="http://schemas.microsoft.com/office/drawing/2014/main" id="{92AC6D95-528E-49B2-A3E5-18B794DC8FDF}"/>
+                <a16:creationId xmlns:a16="http://schemas.microsoft.com/office/drawing/2014/main" xmlns="" id="{92AC6D95-528E-49B2-A3E5-18B794DC8FDF}"/>
               </a:ext>
             </a:extLst>
           </p:cNvPr>
@@ -248,7 +248,7 @@
           <p:cNvPr id="4" name="Нижний колонтитул 3">
             <a:extLst>
               <a:ext uri="{FF2B5EF4-FFF2-40B4-BE49-F238E27FC236}">
-                <a16:creationId xmlns="" xmlns:a16="http://schemas.microsoft.com/office/drawing/2014/main" id="{E5FE36F5-F5F4-4B17-A42E-507A4A48AFDA}"/>
+                <a16:creationId xmlns:a16="http://schemas.microsoft.com/office/drawing/2014/main" xmlns="" id="{E5FE36F5-F5F4-4B17-A42E-507A4A48AFDA}"/>
               </a:ext>
             </a:extLst>
           </p:cNvPr>
@@ -285,7 +285,7 @@
           <p:cNvPr id="5" name="Номер слайда 4">
             <a:extLst>
               <a:ext uri="{FF2B5EF4-FFF2-40B4-BE49-F238E27FC236}">
-                <a16:creationId xmlns="" xmlns:a16="http://schemas.microsoft.com/office/drawing/2014/main" id="{2940DB32-2375-4199-ACEC-A873EA922A07}"/>
+                <a16:creationId xmlns:a16="http://schemas.microsoft.com/office/drawing/2014/main" xmlns="" id="{2940DB32-2375-4199-ACEC-A873EA922A07}"/>
               </a:ext>
             </a:extLst>
           </p:cNvPr>
@@ -3662,7 +3662,7 @@
         <p:spPr/>
         <p:txBody>
           <a:bodyPr>
-            <a:normAutofit fontScale="90000"/>
+            <a:normAutofit/>
           </a:bodyPr>
           <a:lstStyle/>
           <a:p>
@@ -3671,7 +3671,21 @@
                 <a:latin typeface="Times New Roman" panose="02020603050405020304" pitchFamily="18" charset="0"/>
                 <a:cs typeface="Times New Roman" panose="02020603050405020304" pitchFamily="18" charset="0"/>
               </a:rPr>
-              <a:t>Инженерно-техническаподдержка</a:t>
+              <a:t>Инженерно-техническа</a:t>
+            </a:r>
+            <a:r>
+              <a:rPr lang="ru-RU" dirty="0" smtClean="0">
+                <a:latin typeface="Times New Roman" panose="02020603050405020304" pitchFamily="18" charset="0"/>
+                <a:cs typeface="Times New Roman" panose="02020603050405020304" pitchFamily="18" charset="0"/>
+              </a:rPr>
+              <a:t>я </a:t>
+            </a:r>
+            <a:r>
+              <a:rPr dirty="0" err="1" smtClean="0">
+                <a:latin typeface="Times New Roman" panose="02020603050405020304" pitchFamily="18" charset="0"/>
+                <a:cs typeface="Times New Roman" panose="02020603050405020304" pitchFamily="18" charset="0"/>
+              </a:rPr>
+              <a:t>поддержка</a:t>
             </a:r>
             <a:r>
               <a:rPr dirty="0" smtClean="0">
@@ -4175,7 +4189,7 @@
           <p:cNvPr id="4" name="Номер слайда 3">
             <a:extLst>
               <a:ext uri="{FF2B5EF4-FFF2-40B4-BE49-F238E27FC236}">
-                <a16:creationId xmlns="" xmlns:a16="http://schemas.microsoft.com/office/drawing/2014/main" id="{59A45030-6981-42B5-A94B-FC49045F84DB}"/>
+                <a16:creationId xmlns:a16="http://schemas.microsoft.com/office/drawing/2014/main" xmlns="" id="{59A45030-6981-42B5-A94B-FC49045F84DB}"/>
               </a:ext>
             </a:extLst>
           </p:cNvPr>
@@ -4229,7 +4243,7 @@
           <p:cNvPr id="8" name="Объект 7">
             <a:extLst>
               <a:ext uri="{FF2B5EF4-FFF2-40B4-BE49-F238E27FC236}">
-                <a16:creationId xmlns="" xmlns:a16="http://schemas.microsoft.com/office/drawing/2014/main" id="{2374E6F0-17DA-43A7-BD95-25594F0D7887}"/>
+                <a16:creationId xmlns:a16="http://schemas.microsoft.com/office/drawing/2014/main" xmlns="" id="{2374E6F0-17DA-43A7-BD95-25594F0D7887}"/>
               </a:ext>
             </a:extLst>
           </p:cNvPr>
@@ -4258,7 +4272,7 @@
           <p:cNvPr id="4" name="Номер слайда 3">
             <a:extLst>
               <a:ext uri="{FF2B5EF4-FFF2-40B4-BE49-F238E27FC236}">
-                <a16:creationId xmlns="" xmlns:a16="http://schemas.microsoft.com/office/drawing/2014/main" id="{0F1F2A9F-C953-4059-A5E6-CE2261F7D4D2}"/>
+                <a16:creationId xmlns:a16="http://schemas.microsoft.com/office/drawing/2014/main" xmlns="" id="{0F1F2A9F-C953-4059-A5E6-CE2261F7D4D2}"/>
               </a:ext>
             </a:extLst>
           </p:cNvPr>
@@ -4544,7 +4558,7 @@
           <p:cNvPr id="4" name="Номер слайда 3">
             <a:extLst>
               <a:ext uri="{FF2B5EF4-FFF2-40B4-BE49-F238E27FC236}">
-                <a16:creationId xmlns="" xmlns:a16="http://schemas.microsoft.com/office/drawing/2014/main" id="{85D6E2C6-2682-4A31-A8CA-F271CF5F985A}"/>
+                <a16:creationId xmlns:a16="http://schemas.microsoft.com/office/drawing/2014/main" xmlns="" id="{85D6E2C6-2682-4A31-A8CA-F271CF5F985A}"/>
               </a:ext>
             </a:extLst>
           </p:cNvPr>
@@ -4664,7 +4678,7 @@
           <p:cNvPr id="4" name="Номер слайда 3">
             <a:extLst>
               <a:ext uri="{FF2B5EF4-FFF2-40B4-BE49-F238E27FC236}">
-                <a16:creationId xmlns="" xmlns:a16="http://schemas.microsoft.com/office/drawing/2014/main" id="{A8F2A1B5-E71E-4660-97E8-362F631A6BAA}"/>
+                <a16:creationId xmlns:a16="http://schemas.microsoft.com/office/drawing/2014/main" xmlns="" id="{A8F2A1B5-E71E-4660-97E8-362F631A6BAA}"/>
               </a:ext>
             </a:extLst>
           </p:cNvPr>
@@ -4849,7 +4863,7 @@
           <p:cNvPr id="4" name="Номер слайда 3">
             <a:extLst>
               <a:ext uri="{FF2B5EF4-FFF2-40B4-BE49-F238E27FC236}">
-                <a16:creationId xmlns="" xmlns:a16="http://schemas.microsoft.com/office/drawing/2014/main" id="{7D652ADA-0FA5-482C-81EB-3E4FB8443F7F}"/>
+                <a16:creationId xmlns:a16="http://schemas.microsoft.com/office/drawing/2014/main" xmlns="" id="{7D652ADA-0FA5-482C-81EB-3E4FB8443F7F}"/>
               </a:ext>
             </a:extLst>
           </p:cNvPr>
@@ -4878,7 +4892,7 @@
           <p:cNvPr id="8" name="Рисунок 7">
             <a:extLst>
               <a:ext uri="{FF2B5EF4-FFF2-40B4-BE49-F238E27FC236}">
-                <a16:creationId xmlns="" xmlns:a16="http://schemas.microsoft.com/office/drawing/2014/main" id="{DD3431BD-E817-49E1-AEF5-25271E1B7538}"/>
+                <a16:creationId xmlns:a16="http://schemas.microsoft.com/office/drawing/2014/main" xmlns="" id="{DD3431BD-E817-49E1-AEF5-25271E1B7538}"/>
               </a:ext>
             </a:extLst>
           </p:cNvPr>
@@ -5292,7 +5306,7 @@
           <p:cNvPr id="9" name="Рисунок 8">
             <a:extLst>
               <a:ext uri="{FF2B5EF4-FFF2-40B4-BE49-F238E27FC236}">
-                <a16:creationId xmlns="" xmlns:a16="http://schemas.microsoft.com/office/drawing/2014/main" id="{45C87589-77D1-4FFA-9FF2-B0E2D26E448D}"/>
+                <a16:creationId xmlns:a16="http://schemas.microsoft.com/office/drawing/2014/main" xmlns="" id="{45C87589-77D1-4FFA-9FF2-B0E2D26E448D}"/>
               </a:ext>
             </a:extLst>
           </p:cNvPr>
@@ -5322,7 +5336,7 @@
           <p:cNvPr id="4" name="Номер слайда 3">
             <a:extLst>
               <a:ext uri="{FF2B5EF4-FFF2-40B4-BE49-F238E27FC236}">
-                <a16:creationId xmlns="" xmlns:a16="http://schemas.microsoft.com/office/drawing/2014/main" id="{7D652ADA-0FA5-482C-81EB-3E4FB8443F7F}"/>
+                <a16:creationId xmlns:a16="http://schemas.microsoft.com/office/drawing/2014/main" xmlns="" id="{7D652ADA-0FA5-482C-81EB-3E4FB8443F7F}"/>
               </a:ext>
             </a:extLst>
           </p:cNvPr>
@@ -5376,7 +5390,7 @@
           <p:cNvPr id="2" name="Заголовок 1">
             <a:extLst>
               <a:ext uri="{FF2B5EF4-FFF2-40B4-BE49-F238E27FC236}">
-                <a16:creationId xmlns="" xmlns:a16="http://schemas.microsoft.com/office/drawing/2014/main" id="{24DF1351-DAF5-47F9-9694-CB7AC441DDD0}"/>
+                <a16:creationId xmlns:a16="http://schemas.microsoft.com/office/drawing/2014/main" xmlns="" id="{24DF1351-DAF5-47F9-9694-CB7AC441DDD0}"/>
               </a:ext>
             </a:extLst>
           </p:cNvPr>
@@ -5414,7 +5428,7 @@
           <p:cNvPr id="3" name="Объект 2">
             <a:extLst>
               <a:ext uri="{FF2B5EF4-FFF2-40B4-BE49-F238E27FC236}">
-                <a16:creationId xmlns="" xmlns:a16="http://schemas.microsoft.com/office/drawing/2014/main" id="{697EA2F5-12DE-461B-879C-FFA2A836DA64}"/>
+                <a16:creationId xmlns:a16="http://schemas.microsoft.com/office/drawing/2014/main" xmlns="" id="{697EA2F5-12DE-461B-879C-FFA2A836DA64}"/>
               </a:ext>
             </a:extLst>
           </p:cNvPr>
@@ -5747,7 +5761,7 @@
           <p:cNvPr id="4" name="Номер слайда 3">
             <a:extLst>
               <a:ext uri="{FF2B5EF4-FFF2-40B4-BE49-F238E27FC236}">
-                <a16:creationId xmlns="" xmlns:a16="http://schemas.microsoft.com/office/drawing/2014/main" id="{2629A5AA-2CFF-488E-812C-B41E8A604FA7}"/>
+                <a16:creationId xmlns:a16="http://schemas.microsoft.com/office/drawing/2014/main" xmlns="" id="{2629A5AA-2CFF-488E-812C-B41E8A604FA7}"/>
               </a:ext>
             </a:extLst>
           </p:cNvPr>
@@ -5828,15 +5842,6 @@
                 <a:tailEnd/>
               </a14:hiddenLine>
             </a:ext>
-            <a:ext uri="{AF507438-7753-43E0-B8FC-AC1667EBCBE1}">
-              <a14:hiddenEffects xmlns:a14="http://schemas.microsoft.com/office/drawing/2010/main">
-                <a:effectLst>
-                  <a:outerShdw dist="35921" dir="2700000" algn="ctr" rotWithShape="0">
-                    <a:schemeClr val="bg2"/>
-                  </a:outerShdw>
-                </a:effectLst>
-              </a14:hiddenEffects>
-            </a:ext>
           </a:extLst>
         </p:spPr>
       </p:pic>
@@ -6061,7 +6066,7 @@
           <p:cNvPr id="4" name="Номер слайда 3">
             <a:extLst>
               <a:ext uri="{FF2B5EF4-FFF2-40B4-BE49-F238E27FC236}">
-                <a16:creationId xmlns="" xmlns:a16="http://schemas.microsoft.com/office/drawing/2014/main" id="{D4990046-6C85-4C0B-9B99-B8B23DF134A5}"/>
+                <a16:creationId xmlns:a16="http://schemas.microsoft.com/office/drawing/2014/main" xmlns="" id="{D4990046-6C85-4C0B-9B99-B8B23DF134A5}"/>
               </a:ext>
             </a:extLst>
           </p:cNvPr>
@@ -6115,7 +6120,7 @@
           <p:cNvPr id="2" name="Заголовок 1">
             <a:extLst>
               <a:ext uri="{FF2B5EF4-FFF2-40B4-BE49-F238E27FC236}">
-                <a16:creationId xmlns="" xmlns:a16="http://schemas.microsoft.com/office/drawing/2014/main" id="{A8C304DF-7D8F-431F-BDBB-53B37E9C7D9E}"/>
+                <a16:creationId xmlns:a16="http://schemas.microsoft.com/office/drawing/2014/main" xmlns="" id="{A8C304DF-7D8F-431F-BDBB-53B37E9C7D9E}"/>
               </a:ext>
             </a:extLst>
           </p:cNvPr>
@@ -6161,7 +6166,7 @@
           <p:cNvPr id="3" name="Объект 2">
             <a:extLst>
               <a:ext uri="{FF2B5EF4-FFF2-40B4-BE49-F238E27FC236}">
-                <a16:creationId xmlns="" xmlns:a16="http://schemas.microsoft.com/office/drawing/2014/main" id="{6516423C-DD94-4FA6-B224-896093420068}"/>
+                <a16:creationId xmlns:a16="http://schemas.microsoft.com/office/drawing/2014/main" xmlns="" id="{6516423C-DD94-4FA6-B224-896093420068}"/>
               </a:ext>
             </a:extLst>
           </p:cNvPr>
@@ -6401,7 +6406,7 @@
           <p:cNvPr id="4" name="Номер слайда 3">
             <a:extLst>
               <a:ext uri="{FF2B5EF4-FFF2-40B4-BE49-F238E27FC236}">
-                <a16:creationId xmlns="" xmlns:a16="http://schemas.microsoft.com/office/drawing/2014/main" id="{9BAD6EB1-83EC-4FCB-9CD1-7AB1CEA9FCE5}"/>
+                <a16:creationId xmlns:a16="http://schemas.microsoft.com/office/drawing/2014/main" xmlns="" id="{9BAD6EB1-83EC-4FCB-9CD1-7AB1CEA9FCE5}"/>
               </a:ext>
             </a:extLst>
           </p:cNvPr>
@@ -6798,7 +6803,7 @@
           <p:cNvPr id="4" name="Номер слайда 3">
             <a:extLst>
               <a:ext uri="{FF2B5EF4-FFF2-40B4-BE49-F238E27FC236}">
-                <a16:creationId xmlns="" xmlns:a16="http://schemas.microsoft.com/office/drawing/2014/main" id="{0AB8FF7E-8B44-4F3B-9ECA-FAEF6596D636}"/>
+                <a16:creationId xmlns:a16="http://schemas.microsoft.com/office/drawing/2014/main" xmlns="" id="{0AB8FF7E-8B44-4F3B-9ECA-FAEF6596D636}"/>
               </a:ext>
             </a:extLst>
           </p:cNvPr>
@@ -7090,7 +7095,7 @@
           <p:cNvPr id="4" name="Номер слайда 3">
             <a:extLst>
               <a:ext uri="{FF2B5EF4-FFF2-40B4-BE49-F238E27FC236}">
-                <a16:creationId xmlns="" xmlns:a16="http://schemas.microsoft.com/office/drawing/2014/main" id="{1CD990E0-79CA-4245-A009-D270279911BC}"/>
+                <a16:creationId xmlns:a16="http://schemas.microsoft.com/office/drawing/2014/main" xmlns="" id="{1CD990E0-79CA-4245-A009-D270279911BC}"/>
               </a:ext>
             </a:extLst>
           </p:cNvPr>
@@ -7731,7 +7736,7 @@
   <a:extraClrSchemeLst/>
   <a:extLst>
     <a:ext uri="{05A4C25C-085E-4340-85A3-A5531E510DB2}">
-      <thm15:themeFamily xmlns="" xmlns:thm15="http://schemas.microsoft.com/office/thememl/2012/main" name="Office Theme" id="{62F939B6-93AF-4DB8-9C6B-D6C7DFDC589F}" vid="{4A3C46E8-61CC-4603-A589-7422A47A8E4A}"/>
+      <thm15:themeFamily xmlns:thm15="http://schemas.microsoft.com/office/thememl/2012/main" xmlns="" name="Office Theme" id="{62F939B6-93AF-4DB8-9C6B-D6C7DFDC589F}" vid="{4A3C46E8-61CC-4603-A589-7422A47A8E4A}"/>
     </a:ext>
   </a:extLst>
 </a:theme>
@@ -8026,7 +8031,7 @@
   <a:extraClrSchemeLst/>
   <a:extLst>
     <a:ext uri="{05A4C25C-085E-4340-85A3-A5531E510DB2}">
-      <thm15:themeFamily xmlns="" xmlns:thm15="http://schemas.microsoft.com/office/thememl/2012/main" name="Office Theme" id="{62F939B6-93AF-4DB8-9C6B-D6C7DFDC589F}" vid="{4A3C46E8-61CC-4603-A589-7422A47A8E4A}"/>
+      <thm15:themeFamily xmlns:thm15="http://schemas.microsoft.com/office/thememl/2012/main" xmlns="" name="Office Theme" id="{62F939B6-93AF-4DB8-9C6B-D6C7DFDC589F}" vid="{4A3C46E8-61CC-4603-A589-7422A47A8E4A}"/>
     </a:ext>
   </a:extLst>
 </a:theme>
